--- a/Project1/PPT/20154637_Term_indexing.pptx
+++ b/Project1/PPT/20154637_Term_indexing.pptx
@@ -9,15 +9,19 @@
     <p:sldId id="258" r:id="rId3"/>
     <p:sldId id="264" r:id="rId4"/>
     <p:sldId id="265" r:id="rId5"/>
-    <p:sldId id="266" r:id="rId6"/>
-    <p:sldId id="259" r:id="rId7"/>
-    <p:sldId id="269" r:id="rId8"/>
-    <p:sldId id="268" r:id="rId9"/>
-    <p:sldId id="270" r:id="rId10"/>
-    <p:sldId id="271" r:id="rId11"/>
-    <p:sldId id="272" r:id="rId12"/>
-    <p:sldId id="273" r:id="rId13"/>
-    <p:sldId id="261" r:id="rId14"/>
+    <p:sldId id="274" r:id="rId6"/>
+    <p:sldId id="275" r:id="rId7"/>
+    <p:sldId id="266" r:id="rId8"/>
+    <p:sldId id="276" r:id="rId9"/>
+    <p:sldId id="259" r:id="rId10"/>
+    <p:sldId id="269" r:id="rId11"/>
+    <p:sldId id="268" r:id="rId12"/>
+    <p:sldId id="270" r:id="rId13"/>
+    <p:sldId id="271" r:id="rId14"/>
+    <p:sldId id="272" r:id="rId15"/>
+    <p:sldId id="273" r:id="rId16"/>
+    <p:sldId id="261" r:id="rId17"/>
+    <p:sldId id="277" r:id="rId18"/>
   </p:sldIdLst>
   <p:sldSz cx="12192000" cy="6858000"/>
   <p:notesSz cx="6858000" cy="9144000"/>
@@ -122,6 +126,18 @@
     </p:ext>
   </p:extLst>
 </p:presentation>
+</file>
+
+<file path=ppt/commentAuthors.xml><?xml version="1.0" encoding="utf-8"?>
+<p:cmAuthorLst xmlns:a="http://schemas.openxmlformats.org/drawingml/2006/main" xmlns:r="http://schemas.openxmlformats.org/officeDocument/2006/relationships" xmlns:p="http://schemas.openxmlformats.org/presentationml/2006/main">
+  <p:cmAuthor id="1" name="상현 박" initials="상박" lastIdx="1" clrIdx="0">
+    <p:extLst>
+      <p:ext uri="{19B8F6BF-5375-455C-9EA6-DF929625EA0E}">
+        <p15:presenceInfo xmlns:p15="http://schemas.microsoft.com/office/powerpoint/2012/main" userId="8c9bbb7d3d3e7c8c" providerId="Windows Live"/>
+      </p:ext>
+    </p:extLst>
+  </p:cmAuthor>
+</p:cmAuthorLst>
 </file>
 
 <file path=ppt/charts/chart1.xml><?xml version="1.0" encoding="utf-8"?>
@@ -4855,8 +4871,8 @@
         </p:nvSpPr>
         <p:spPr>
           <a:xfrm>
-            <a:off x="2433190" y="0"/>
-            <a:ext cx="8099772" cy="977127"/>
+            <a:off x="2242848" y="0"/>
+            <a:ext cx="7706302" cy="977127"/>
           </a:xfrm>
           <a:prstGeom prst="rect">
             <a:avLst/>
@@ -4868,52 +4884,32 @@
           </a:bodyPr>
           <a:lstStyle/>
           <a:p>
-            <a:pPr marL="0" marR="0" lvl="0" indent="0" algn="ctr" defTabSz="914400" rtl="0" eaLnBrk="1" fontAlgn="auto" latinLnBrk="0" hangingPunct="1">
+            <a:pPr lvl="0" algn="ctr" latinLnBrk="0">
               <a:lnSpc>
                 <a:spcPct val="150000"/>
               </a:lnSpc>
-              <a:spcBef>
-                <a:spcPts val="0"/>
-              </a:spcBef>
-              <a:spcAft>
-                <a:spcPts val="0"/>
-              </a:spcAft>
-              <a:buClrTx/>
-              <a:buSzTx/>
-              <a:buFontTx/>
-              <a:buNone/>
-              <a:tabLst/>
               <a:defRPr/>
             </a:pPr>
             <a:r>
-              <a:rPr kumimoji="0" lang="en-US" altLang="ko-KR" sz="4400" b="1" i="0" u="none" strike="noStrike" kern="0" cap="none" spc="0" normalizeH="0" baseline="0" noProof="0" dirty="0">
-                <a:ln>
-                  <a:noFill/>
-                </a:ln>
+              <a:rPr lang="en-US" altLang="ko-KR" sz="4400" b="1" kern="0" dirty="0">
                 <a:solidFill>
                   <a:prstClr val="black">
                     <a:lumMod val="65000"/>
                     <a:lumOff val="35000"/>
                   </a:prstClr>
                 </a:solidFill>
-                <a:effectLst/>
-                <a:uLnTx/>
-                <a:uFillTx/>
-                <a:latin typeface="맑은 고딕" panose="020F0502020204030204"/>
-                <a:ea typeface="맑은 고딕" panose="020B0503020000020004" pitchFamily="50" charset="-127"/>
-                <a:cs typeface="+mn-cs"/>
               </a:rPr>
-              <a:t>Data Chart – Negative word</a:t>
+              <a:t>Data Chart – Positive word</a:t>
             </a:r>
           </a:p>
         </p:txBody>
       </p:sp>
       <p:pic>
         <p:nvPicPr>
-          <p:cNvPr id="3" name="그림 2">
+          <p:cNvPr id="2" name="그림 1">
             <a:extLst>
               <a:ext uri="{FF2B5EF4-FFF2-40B4-BE49-F238E27FC236}">
-                <a16:creationId xmlns:a16="http://schemas.microsoft.com/office/drawing/2014/main" id="{763F62E2-8551-4CEC-B35D-9501CDC858E5}"/>
+                <a16:creationId xmlns:a16="http://schemas.microsoft.com/office/drawing/2014/main" id="{AB7AE6C0-B55C-4DFC-8D11-FC03B856DB62}"/>
               </a:ext>
             </a:extLst>
           </p:cNvPr>
@@ -4930,18 +4926,84 @@
         </p:blipFill>
         <p:spPr>
           <a:xfrm>
-            <a:off x="414035" y="1132932"/>
-            <a:ext cx="11363929" cy="5499069"/>
+            <a:off x="368311" y="1132932"/>
+            <a:ext cx="11455377" cy="5474682"/>
           </a:xfrm>
           <a:prstGeom prst="rect">
             <a:avLst/>
           </a:prstGeom>
         </p:spPr>
       </p:pic>
+      <p:sp>
+        <p:nvSpPr>
+          <p:cNvPr id="6" name="직사각형 5">
+            <a:extLst>
+              <a:ext uri="{FF2B5EF4-FFF2-40B4-BE49-F238E27FC236}">
+                <a16:creationId xmlns:a16="http://schemas.microsoft.com/office/drawing/2014/main" id="{1939F20C-9902-4A56-869D-DBA3F10B42A9}"/>
+              </a:ext>
+            </a:extLst>
+          </p:cNvPr>
+          <p:cNvSpPr/>
+          <p:nvPr/>
+        </p:nvSpPr>
+        <p:spPr>
+          <a:xfrm>
+            <a:off x="5733538" y="1167714"/>
+            <a:ext cx="4744994" cy="352140"/>
+          </a:xfrm>
+          <a:prstGeom prst="rect">
+            <a:avLst/>
+          </a:prstGeom>
+          <a:solidFill>
+            <a:schemeClr val="bg1"/>
+          </a:solidFill>
+          <a:ln>
+            <a:solidFill>
+              <a:schemeClr val="bg1"/>
+            </a:solidFill>
+          </a:ln>
+        </p:spPr>
+        <p:style>
+          <a:lnRef idx="2">
+            <a:schemeClr val="accent1">
+              <a:shade val="50000"/>
+            </a:schemeClr>
+          </a:lnRef>
+          <a:fillRef idx="1">
+            <a:schemeClr val="accent1"/>
+          </a:fillRef>
+          <a:effectRef idx="0">
+            <a:schemeClr val="accent1"/>
+          </a:effectRef>
+          <a:fontRef idx="minor">
+            <a:schemeClr val="lt1"/>
+          </a:fontRef>
+        </p:style>
+        <p:txBody>
+          <a:bodyPr rtlCol="0" anchor="ctr"/>
+          <a:lstStyle/>
+          <a:p>
+            <a:pPr algn="ctr"/>
+            <a:r>
+              <a:rPr lang="en-US" altLang="ko-KR" sz="1200" dirty="0">
+                <a:solidFill>
+                  <a:schemeClr val="tx1"/>
+                </a:solidFill>
+              </a:rPr>
+              <a:t>Flag = Crime movie script’s Negative word by Descending order </a:t>
+            </a:r>
+            <a:endParaRPr lang="ko-KR" altLang="en-US" sz="1200" dirty="0">
+              <a:solidFill>
+                <a:schemeClr val="tx1"/>
+              </a:solidFill>
+            </a:endParaRPr>
+          </a:p>
+        </p:txBody>
+      </p:sp>
     </p:spTree>
     <p:extLst>
       <p:ext uri="{BB962C8B-B14F-4D97-AF65-F5344CB8AC3E}">
-        <p14:creationId xmlns:p14="http://schemas.microsoft.com/office/powerpoint/2010/main" val="237950140"/>
+        <p14:creationId xmlns:p14="http://schemas.microsoft.com/office/powerpoint/2010/main" val="619725479"/>
       </p:ext>
     </p:extLst>
   </p:cSld>
@@ -5045,17 +5107,17 @@
                   </a:prstClr>
                 </a:solidFill>
               </a:rPr>
-              <a:t>Data Chart – Negative word</a:t>
+              <a:t>Data Chart – Positive word</a:t>
             </a:r>
           </a:p>
         </p:txBody>
       </p:sp>
       <p:pic>
         <p:nvPicPr>
-          <p:cNvPr id="4" name="그림 3">
+          <p:cNvPr id="2" name="그림 1">
             <a:extLst>
               <a:ext uri="{FF2B5EF4-FFF2-40B4-BE49-F238E27FC236}">
-                <a16:creationId xmlns:a16="http://schemas.microsoft.com/office/drawing/2014/main" id="{0A35492C-15A3-434A-ACD2-282A8965D7E1}"/>
+                <a16:creationId xmlns:a16="http://schemas.microsoft.com/office/drawing/2014/main" id="{B0397C94-A6A8-48C0-840A-59E97A0AC22D}"/>
               </a:ext>
             </a:extLst>
           </p:cNvPr>
@@ -5065,7 +5127,794 @@
           <p:nvPr/>
         </p:nvPicPr>
         <p:blipFill rotWithShape="1">
+          <a:blip r:embed="rId3"/>
+          <a:srcRect l="8056" r="6774"/>
+          <a:stretch/>
+        </p:blipFill>
+        <p:spPr>
+          <a:xfrm>
+            <a:off x="2125812" y="1394750"/>
+            <a:ext cx="7940375" cy="4857558"/>
+          </a:xfrm>
+          <a:prstGeom prst="rect">
+            <a:avLst/>
+          </a:prstGeom>
+        </p:spPr>
+      </p:pic>
+      <p:pic>
+        <p:nvPicPr>
+          <p:cNvPr id="3" name="그림 2">
+            <a:extLst>
+              <a:ext uri="{FF2B5EF4-FFF2-40B4-BE49-F238E27FC236}">
+                <a16:creationId xmlns:a16="http://schemas.microsoft.com/office/drawing/2014/main" id="{EA3951BE-C1AB-44F3-A66B-19C4330295B8}"/>
+              </a:ext>
+            </a:extLst>
+          </p:cNvPr>
+          <p:cNvPicPr>
+            <a:picLocks noChangeAspect="1"/>
+          </p:cNvPicPr>
+          <p:nvPr/>
+        </p:nvPicPr>
+        <p:blipFill rotWithShape="1">
+          <a:blip r:embed="rId4"/>
+          <a:srcRect l="6205" r="8625"/>
+          <a:stretch/>
+        </p:blipFill>
+        <p:spPr>
+          <a:xfrm>
+            <a:off x="2125811" y="1394750"/>
+            <a:ext cx="7940367" cy="4857554"/>
+          </a:xfrm>
+          <a:prstGeom prst="rect">
+            <a:avLst/>
+          </a:prstGeom>
+        </p:spPr>
+      </p:pic>
+    </p:spTree>
+    <p:custDataLst>
+      <p:tags r:id="rId1"/>
+    </p:custDataLst>
+    <p:extLst>
+      <p:ext uri="{BB962C8B-B14F-4D97-AF65-F5344CB8AC3E}">
+        <p14:creationId xmlns:p14="http://schemas.microsoft.com/office/powerpoint/2010/main" val="3584000844"/>
+      </p:ext>
+    </p:extLst>
+  </p:cSld>
+  <p:clrMapOvr>
+    <a:masterClrMapping/>
+  </p:clrMapOvr>
+  <p:timing>
+    <p:tnLst>
+      <p:par>
+        <p:cTn id="1" dur="indefinite" restart="never" nodeType="tmRoot">
+          <p:childTnLst>
+            <p:seq concurrent="1" nextAc="seek">
+              <p:cTn id="2" dur="indefinite" nodeType="mainSeq">
+                <p:childTnLst>
+                  <p:par>
+                    <p:cTn id="3" fill="hold">
+                      <p:stCondLst>
+                        <p:cond delay="indefinite"/>
+                      </p:stCondLst>
+                      <p:childTnLst>
+                        <p:par>
+                          <p:cTn id="4" fill="hold">
+                            <p:stCondLst>
+                              <p:cond delay="0"/>
+                            </p:stCondLst>
+                            <p:childTnLst>
+                              <p:par>
+                                <p:cTn id="5" presetID="2" presetClass="entr" presetSubtype="4" fill="hold" nodeType="clickEffect">
+                                  <p:stCondLst>
+                                    <p:cond delay="0"/>
+                                  </p:stCondLst>
+                                  <p:childTnLst>
+                                    <p:set>
+                                      <p:cBhvr>
+                                        <p:cTn id="6" dur="1" fill="hold">
+                                          <p:stCondLst>
+                                            <p:cond delay="0"/>
+                                          </p:stCondLst>
+                                        </p:cTn>
+                                        <p:tgtEl>
+                                          <p:spTgt spid="3"/>
+                                        </p:tgtEl>
+                                        <p:attrNameLst>
+                                          <p:attrName>style.visibility</p:attrName>
+                                        </p:attrNameLst>
+                                      </p:cBhvr>
+                                      <p:to>
+                                        <p:strVal val="visible"/>
+                                      </p:to>
+                                    </p:set>
+                                    <p:anim calcmode="lin" valueType="num">
+                                      <p:cBhvr additive="base">
+                                        <p:cTn id="7" dur="500" fill="hold"/>
+                                        <p:tgtEl>
+                                          <p:spTgt spid="3"/>
+                                        </p:tgtEl>
+                                        <p:attrNameLst>
+                                          <p:attrName>ppt_x</p:attrName>
+                                        </p:attrNameLst>
+                                      </p:cBhvr>
+                                      <p:tavLst>
+                                        <p:tav tm="0">
+                                          <p:val>
+                                            <p:strVal val="#ppt_x"/>
+                                          </p:val>
+                                        </p:tav>
+                                        <p:tav tm="100000">
+                                          <p:val>
+                                            <p:strVal val="#ppt_x"/>
+                                          </p:val>
+                                        </p:tav>
+                                      </p:tavLst>
+                                    </p:anim>
+                                    <p:anim calcmode="lin" valueType="num">
+                                      <p:cBhvr additive="base">
+                                        <p:cTn id="8" dur="500" fill="hold"/>
+                                        <p:tgtEl>
+                                          <p:spTgt spid="3"/>
+                                        </p:tgtEl>
+                                        <p:attrNameLst>
+                                          <p:attrName>ppt_y</p:attrName>
+                                        </p:attrNameLst>
+                                      </p:cBhvr>
+                                      <p:tavLst>
+                                        <p:tav tm="0">
+                                          <p:val>
+                                            <p:strVal val="1+#ppt_h/2"/>
+                                          </p:val>
+                                        </p:tav>
+                                        <p:tav tm="100000">
+                                          <p:val>
+                                            <p:strVal val="#ppt_y"/>
+                                          </p:val>
+                                        </p:tav>
+                                      </p:tavLst>
+                                    </p:anim>
+                                  </p:childTnLst>
+                                </p:cTn>
+                              </p:par>
+                            </p:childTnLst>
+                          </p:cTn>
+                        </p:par>
+                      </p:childTnLst>
+                    </p:cTn>
+                  </p:par>
+                </p:childTnLst>
+              </p:cTn>
+              <p:prevCondLst>
+                <p:cond evt="onPrev" delay="0">
+                  <p:tgtEl>
+                    <p:sldTgt/>
+                  </p:tgtEl>
+                </p:cond>
+              </p:prevCondLst>
+              <p:nextCondLst>
+                <p:cond evt="onNext" delay="0">
+                  <p:tgtEl>
+                    <p:sldTgt/>
+                  </p:tgtEl>
+                </p:cond>
+              </p:nextCondLst>
+            </p:seq>
+          </p:childTnLst>
+        </p:cTn>
+      </p:par>
+    </p:tnLst>
+  </p:timing>
+</p:sld>
+</file>
+
+<file path=ppt/slides/slide12.xml><?xml version="1.0" encoding="utf-8"?>
+<p:sld xmlns:a="http://schemas.openxmlformats.org/drawingml/2006/main" xmlns:r="http://schemas.openxmlformats.org/officeDocument/2006/relationships" xmlns:p="http://schemas.openxmlformats.org/presentationml/2006/main">
+  <p:cSld>
+    <p:bg>
+      <p:bgPr>
+        <a:solidFill>
+          <a:srgbClr val="EEDAC1"/>
+        </a:solidFill>
+        <a:effectLst/>
+      </p:bgPr>
+    </p:bg>
+    <p:spTree>
+      <p:nvGrpSpPr>
+        <p:cNvPr id="1" name=""/>
+        <p:cNvGrpSpPr/>
+        <p:nvPr/>
+      </p:nvGrpSpPr>
+      <p:grpSpPr>
+        <a:xfrm>
+          <a:off x="0" y="0"/>
+          <a:ext cx="0" cy="0"/>
+          <a:chOff x="0" y="0"/>
+          <a:chExt cx="0" cy="0"/>
+        </a:xfrm>
+      </p:grpSpPr>
+      <p:cxnSp>
+        <p:nvCxnSpPr>
+          <p:cNvPr id="17" name="직선 연결선 16"/>
+          <p:cNvCxnSpPr/>
+          <p:nvPr/>
+        </p:nvCxnSpPr>
+        <p:spPr>
+          <a:xfrm>
+            <a:off x="696000" y="1132932"/>
+            <a:ext cx="10800000" cy="0"/>
+          </a:xfrm>
+          <a:prstGeom prst="line">
+            <a:avLst/>
+          </a:prstGeom>
+          <a:ln w="19050">
+            <a:solidFill>
+              <a:srgbClr val="49A5BE"/>
+            </a:solidFill>
+          </a:ln>
+        </p:spPr>
+        <p:style>
+          <a:lnRef idx="1">
+            <a:schemeClr val="accent1"/>
+          </a:lnRef>
+          <a:fillRef idx="0">
+            <a:schemeClr val="accent1"/>
+          </a:fillRef>
+          <a:effectRef idx="0">
+            <a:schemeClr val="accent1"/>
+          </a:effectRef>
+          <a:fontRef idx="minor">
+            <a:schemeClr val="tx1"/>
+          </a:fontRef>
+        </p:style>
+      </p:cxnSp>
+      <p:sp>
+        <p:nvSpPr>
+          <p:cNvPr id="20" name="직사각형 19">
+            <a:extLst>
+              <a:ext uri="{FF2B5EF4-FFF2-40B4-BE49-F238E27FC236}">
+                <a16:creationId xmlns:a16="http://schemas.microsoft.com/office/drawing/2014/main" id="{01E8A2C5-9BB0-4BB8-BB8E-257FF392DA2E}"/>
+              </a:ext>
+            </a:extLst>
+          </p:cNvPr>
+          <p:cNvSpPr/>
+          <p:nvPr/>
+        </p:nvSpPr>
+        <p:spPr>
+          <a:xfrm>
+            <a:off x="2433190" y="0"/>
+            <a:ext cx="8099772" cy="977127"/>
+          </a:xfrm>
+          <a:prstGeom prst="rect">
+            <a:avLst/>
+          </a:prstGeom>
+        </p:spPr>
+        <p:txBody>
+          <a:bodyPr wrap="square">
+            <a:spAutoFit/>
+          </a:bodyPr>
+          <a:lstStyle/>
+          <a:p>
+            <a:pPr marL="0" marR="0" lvl="0" indent="0" algn="ctr" defTabSz="914400" rtl="0" eaLnBrk="1" fontAlgn="auto" latinLnBrk="0" hangingPunct="1">
+              <a:lnSpc>
+                <a:spcPct val="150000"/>
+              </a:lnSpc>
+              <a:spcBef>
+                <a:spcPts val="0"/>
+              </a:spcBef>
+              <a:spcAft>
+                <a:spcPts val="0"/>
+              </a:spcAft>
+              <a:buClrTx/>
+              <a:buSzTx/>
+              <a:buFontTx/>
+              <a:buNone/>
+              <a:tabLst/>
+              <a:defRPr/>
+            </a:pPr>
+            <a:r>
+              <a:rPr kumimoji="0" lang="en-US" altLang="ko-KR" sz="4400" b="1" i="0" u="none" strike="noStrike" kern="0" cap="none" spc="0" normalizeH="0" baseline="0" noProof="0" dirty="0">
+                <a:ln>
+                  <a:noFill/>
+                </a:ln>
+                <a:solidFill>
+                  <a:prstClr val="black">
+                    <a:lumMod val="65000"/>
+                    <a:lumOff val="35000"/>
+                  </a:prstClr>
+                </a:solidFill>
+                <a:effectLst/>
+                <a:uLnTx/>
+                <a:uFillTx/>
+                <a:latin typeface="맑은 고딕" panose="020F0502020204030204"/>
+                <a:ea typeface="맑은 고딕" panose="020B0503020000020004" pitchFamily="50" charset="-127"/>
+                <a:cs typeface="+mn-cs"/>
+              </a:rPr>
+              <a:t>Data Chart – Negative word</a:t>
+            </a:r>
+          </a:p>
+        </p:txBody>
+      </p:sp>
+      <p:grpSp>
+        <p:nvGrpSpPr>
+          <p:cNvPr id="5" name="그룹 4">
+            <a:extLst>
+              <a:ext uri="{FF2B5EF4-FFF2-40B4-BE49-F238E27FC236}">
+                <a16:creationId xmlns:a16="http://schemas.microsoft.com/office/drawing/2014/main" id="{149F336B-7134-430D-80B2-EAE963231F11}"/>
+              </a:ext>
+            </a:extLst>
+          </p:cNvPr>
+          <p:cNvGrpSpPr/>
+          <p:nvPr/>
+        </p:nvGrpSpPr>
+        <p:grpSpPr>
+          <a:xfrm>
+            <a:off x="485914" y="1132932"/>
+            <a:ext cx="11382218" cy="5560034"/>
+            <a:chOff x="485914" y="1132932"/>
+            <a:chExt cx="11382218" cy="5560034"/>
+          </a:xfrm>
+        </p:grpSpPr>
+        <p:pic>
+          <p:nvPicPr>
+            <p:cNvPr id="2" name="그림 1">
+              <a:extLst>
+                <a:ext uri="{FF2B5EF4-FFF2-40B4-BE49-F238E27FC236}">
+                  <a16:creationId xmlns:a16="http://schemas.microsoft.com/office/drawing/2014/main" id="{9B91EEFD-7133-4AF6-95A0-41FCA9D4ACED}"/>
+                </a:ext>
+              </a:extLst>
+            </p:cNvPr>
+            <p:cNvPicPr>
+              <a:picLocks noChangeAspect="1"/>
+            </p:cNvPicPr>
+            <p:nvPr/>
+          </p:nvPicPr>
+          <p:blipFill>
+            <a:blip r:embed="rId2"/>
+            <a:stretch>
+              <a:fillRect/>
+            </a:stretch>
+          </p:blipFill>
+          <p:spPr>
+            <a:xfrm>
+              <a:off x="485914" y="1132932"/>
+              <a:ext cx="11382218" cy="5560034"/>
+            </a:xfrm>
+            <a:prstGeom prst="rect">
+              <a:avLst/>
+            </a:prstGeom>
+          </p:spPr>
+        </p:pic>
+        <p:sp>
+          <p:nvSpPr>
+            <p:cNvPr id="4" name="직사각형 3">
+              <a:extLst>
+                <a:ext uri="{FF2B5EF4-FFF2-40B4-BE49-F238E27FC236}">
+                  <a16:creationId xmlns:a16="http://schemas.microsoft.com/office/drawing/2014/main" id="{DBC0FA0D-672F-48CF-870F-6103485D7F01}"/>
+                </a:ext>
+              </a:extLst>
+            </p:cNvPr>
+            <p:cNvSpPr/>
+            <p:nvPr/>
+          </p:nvSpPr>
+          <p:spPr>
+            <a:xfrm>
+              <a:off x="5875638" y="1167714"/>
+              <a:ext cx="4744994" cy="352140"/>
+            </a:xfrm>
+            <a:prstGeom prst="rect">
+              <a:avLst/>
+            </a:prstGeom>
+            <a:solidFill>
+              <a:schemeClr val="bg1"/>
+            </a:solidFill>
+            <a:ln>
+              <a:solidFill>
+                <a:schemeClr val="bg1"/>
+              </a:solidFill>
+            </a:ln>
+          </p:spPr>
+          <p:style>
+            <a:lnRef idx="2">
+              <a:schemeClr val="accent1">
+                <a:shade val="50000"/>
+              </a:schemeClr>
+            </a:lnRef>
+            <a:fillRef idx="1">
+              <a:schemeClr val="accent1"/>
+            </a:fillRef>
+            <a:effectRef idx="0">
+              <a:schemeClr val="accent1"/>
+            </a:effectRef>
+            <a:fontRef idx="minor">
+              <a:schemeClr val="lt1"/>
+            </a:fontRef>
+          </p:style>
+          <p:txBody>
+            <a:bodyPr rtlCol="0" anchor="ctr"/>
+            <a:lstStyle/>
+            <a:p>
+              <a:pPr algn="ctr"/>
+              <a:r>
+                <a:rPr lang="en-US" altLang="ko-KR" sz="1200" dirty="0">
+                  <a:solidFill>
+                    <a:schemeClr val="tx1"/>
+                  </a:solidFill>
+                </a:rPr>
+                <a:t>Flag = Family movie script’s Negative word by Descending order </a:t>
+              </a:r>
+              <a:endParaRPr lang="ko-KR" altLang="en-US" sz="1200" dirty="0">
+                <a:solidFill>
+                  <a:schemeClr val="tx1"/>
+                </a:solidFill>
+              </a:endParaRPr>
+            </a:p>
+          </p:txBody>
+        </p:sp>
+      </p:grpSp>
+    </p:spTree>
+    <p:extLst>
+      <p:ext uri="{BB962C8B-B14F-4D97-AF65-F5344CB8AC3E}">
+        <p14:creationId xmlns:p14="http://schemas.microsoft.com/office/powerpoint/2010/main" val="209838786"/>
+      </p:ext>
+    </p:extLst>
+  </p:cSld>
+  <p:clrMapOvr>
+    <a:masterClrMapping/>
+  </p:clrMapOvr>
+</p:sld>
+</file>
+
+<file path=ppt/slides/slide13.xml><?xml version="1.0" encoding="utf-8"?>
+<p:sld xmlns:a="http://schemas.openxmlformats.org/drawingml/2006/main" xmlns:r="http://schemas.openxmlformats.org/officeDocument/2006/relationships" xmlns:p="http://schemas.openxmlformats.org/presentationml/2006/main">
+  <p:cSld>
+    <p:bg>
+      <p:bgPr>
+        <a:solidFill>
+          <a:srgbClr val="EEDAC1"/>
+        </a:solidFill>
+        <a:effectLst/>
+      </p:bgPr>
+    </p:bg>
+    <p:spTree>
+      <p:nvGrpSpPr>
+        <p:cNvPr id="1" name=""/>
+        <p:cNvGrpSpPr/>
+        <p:nvPr/>
+      </p:nvGrpSpPr>
+      <p:grpSpPr>
+        <a:xfrm>
+          <a:off x="0" y="0"/>
+          <a:ext cx="0" cy="0"/>
+          <a:chOff x="0" y="0"/>
+          <a:chExt cx="0" cy="0"/>
+        </a:xfrm>
+      </p:grpSpPr>
+      <p:cxnSp>
+        <p:nvCxnSpPr>
+          <p:cNvPr id="17" name="직선 연결선 16"/>
+          <p:cNvCxnSpPr/>
+          <p:nvPr/>
+        </p:nvCxnSpPr>
+        <p:spPr>
+          <a:xfrm>
+            <a:off x="696000" y="1132932"/>
+            <a:ext cx="10800000" cy="0"/>
+          </a:xfrm>
+          <a:prstGeom prst="line">
+            <a:avLst/>
+          </a:prstGeom>
+          <a:ln w="19050">
+            <a:solidFill>
+              <a:srgbClr val="49A5BE"/>
+            </a:solidFill>
+          </a:ln>
+        </p:spPr>
+        <p:style>
+          <a:lnRef idx="1">
+            <a:schemeClr val="accent1"/>
+          </a:lnRef>
+          <a:fillRef idx="0">
+            <a:schemeClr val="accent1"/>
+          </a:fillRef>
+          <a:effectRef idx="0">
+            <a:schemeClr val="accent1"/>
+          </a:effectRef>
+          <a:fontRef idx="minor">
+            <a:schemeClr val="tx1"/>
+          </a:fontRef>
+        </p:style>
+      </p:cxnSp>
+      <p:sp>
+        <p:nvSpPr>
+          <p:cNvPr id="20" name="직사각형 19">
+            <a:extLst>
+              <a:ext uri="{FF2B5EF4-FFF2-40B4-BE49-F238E27FC236}">
+                <a16:creationId xmlns:a16="http://schemas.microsoft.com/office/drawing/2014/main" id="{01E8A2C5-9BB0-4BB8-BB8E-257FF392DA2E}"/>
+              </a:ext>
+            </a:extLst>
+          </p:cNvPr>
+          <p:cNvSpPr/>
+          <p:nvPr/>
+        </p:nvSpPr>
+        <p:spPr>
+          <a:xfrm>
+            <a:off x="2433190" y="0"/>
+            <a:ext cx="8099772" cy="977127"/>
+          </a:xfrm>
+          <a:prstGeom prst="rect">
+            <a:avLst/>
+          </a:prstGeom>
+        </p:spPr>
+        <p:txBody>
+          <a:bodyPr wrap="square">
+            <a:spAutoFit/>
+          </a:bodyPr>
+          <a:lstStyle/>
+          <a:p>
+            <a:pPr marL="0" marR="0" lvl="0" indent="0" algn="ctr" defTabSz="914400" rtl="0" eaLnBrk="1" fontAlgn="auto" latinLnBrk="0" hangingPunct="1">
+              <a:lnSpc>
+                <a:spcPct val="150000"/>
+              </a:lnSpc>
+              <a:spcBef>
+                <a:spcPts val="0"/>
+              </a:spcBef>
+              <a:spcAft>
+                <a:spcPts val="0"/>
+              </a:spcAft>
+              <a:buClrTx/>
+              <a:buSzTx/>
+              <a:buFontTx/>
+              <a:buNone/>
+              <a:tabLst/>
+              <a:defRPr/>
+            </a:pPr>
+            <a:r>
+              <a:rPr kumimoji="0" lang="en-US" altLang="ko-KR" sz="4400" b="1" i="0" u="none" strike="noStrike" kern="0" cap="none" spc="0" normalizeH="0" baseline="0" noProof="0" dirty="0">
+                <a:ln>
+                  <a:noFill/>
+                </a:ln>
+                <a:solidFill>
+                  <a:prstClr val="black">
+                    <a:lumMod val="65000"/>
+                    <a:lumOff val="35000"/>
+                  </a:prstClr>
+                </a:solidFill>
+                <a:effectLst/>
+                <a:uLnTx/>
+                <a:uFillTx/>
+                <a:latin typeface="맑은 고딕" panose="020F0502020204030204"/>
+                <a:ea typeface="맑은 고딕" panose="020B0503020000020004" pitchFamily="50" charset="-127"/>
+                <a:cs typeface="+mn-cs"/>
+              </a:rPr>
+              <a:t>Data Chart – Negative word</a:t>
+            </a:r>
+          </a:p>
+        </p:txBody>
+      </p:sp>
+      <p:pic>
+        <p:nvPicPr>
+          <p:cNvPr id="3" name="그림 2">
+            <a:extLst>
+              <a:ext uri="{FF2B5EF4-FFF2-40B4-BE49-F238E27FC236}">
+                <a16:creationId xmlns:a16="http://schemas.microsoft.com/office/drawing/2014/main" id="{763F62E2-8551-4CEC-B35D-9501CDC858E5}"/>
+              </a:ext>
+            </a:extLst>
+          </p:cNvPr>
+          <p:cNvPicPr>
+            <a:picLocks noChangeAspect="1"/>
+          </p:cNvPicPr>
+          <p:nvPr/>
+        </p:nvPicPr>
+        <p:blipFill>
           <a:blip r:embed="rId2"/>
+          <a:stretch>
+            <a:fillRect/>
+          </a:stretch>
+        </p:blipFill>
+        <p:spPr>
+          <a:xfrm>
+            <a:off x="414035" y="1132932"/>
+            <a:ext cx="11363929" cy="5499069"/>
+          </a:xfrm>
+          <a:prstGeom prst="rect">
+            <a:avLst/>
+          </a:prstGeom>
+        </p:spPr>
+      </p:pic>
+      <p:sp>
+        <p:nvSpPr>
+          <p:cNvPr id="6" name="직사각형 5">
+            <a:extLst>
+              <a:ext uri="{FF2B5EF4-FFF2-40B4-BE49-F238E27FC236}">
+                <a16:creationId xmlns:a16="http://schemas.microsoft.com/office/drawing/2014/main" id="{85BD0764-A2EC-4ABC-8ADD-F6B8AB44DB21}"/>
+              </a:ext>
+            </a:extLst>
+          </p:cNvPr>
+          <p:cNvSpPr/>
+          <p:nvPr/>
+        </p:nvSpPr>
+        <p:spPr>
+          <a:xfrm>
+            <a:off x="5758250" y="1167714"/>
+            <a:ext cx="4744994" cy="352140"/>
+          </a:xfrm>
+          <a:prstGeom prst="rect">
+            <a:avLst/>
+          </a:prstGeom>
+          <a:solidFill>
+            <a:schemeClr val="bg1"/>
+          </a:solidFill>
+          <a:ln>
+            <a:solidFill>
+              <a:schemeClr val="bg1"/>
+            </a:solidFill>
+          </a:ln>
+        </p:spPr>
+        <p:style>
+          <a:lnRef idx="2">
+            <a:schemeClr val="accent1">
+              <a:shade val="50000"/>
+            </a:schemeClr>
+          </a:lnRef>
+          <a:fillRef idx="1">
+            <a:schemeClr val="accent1"/>
+          </a:fillRef>
+          <a:effectRef idx="0">
+            <a:schemeClr val="accent1"/>
+          </a:effectRef>
+          <a:fontRef idx="minor">
+            <a:schemeClr val="lt1"/>
+          </a:fontRef>
+        </p:style>
+        <p:txBody>
+          <a:bodyPr rtlCol="0" anchor="ctr"/>
+          <a:lstStyle/>
+          <a:p>
+            <a:pPr algn="ctr"/>
+            <a:r>
+              <a:rPr lang="en-US" altLang="ko-KR" sz="1200" dirty="0">
+                <a:solidFill>
+                  <a:schemeClr val="tx1"/>
+                </a:solidFill>
+              </a:rPr>
+              <a:t>Flag = Crime movie script’s Negative word by Descending order </a:t>
+            </a:r>
+            <a:endParaRPr lang="ko-KR" altLang="en-US" sz="1200" dirty="0">
+              <a:solidFill>
+                <a:schemeClr val="tx1"/>
+              </a:solidFill>
+            </a:endParaRPr>
+          </a:p>
+        </p:txBody>
+      </p:sp>
+    </p:spTree>
+    <p:extLst>
+      <p:ext uri="{BB962C8B-B14F-4D97-AF65-F5344CB8AC3E}">
+        <p14:creationId xmlns:p14="http://schemas.microsoft.com/office/powerpoint/2010/main" val="237950140"/>
+      </p:ext>
+    </p:extLst>
+  </p:cSld>
+  <p:clrMapOvr>
+    <a:masterClrMapping/>
+  </p:clrMapOvr>
+</p:sld>
+</file>
+
+<file path=ppt/slides/slide14.xml><?xml version="1.0" encoding="utf-8"?>
+<p:sld xmlns:a="http://schemas.openxmlformats.org/drawingml/2006/main" xmlns:r="http://schemas.openxmlformats.org/officeDocument/2006/relationships" xmlns:p="http://schemas.openxmlformats.org/presentationml/2006/main">
+  <p:cSld>
+    <p:spTree>
+      <p:nvGrpSpPr>
+        <p:cNvPr id="1" name=""/>
+        <p:cNvGrpSpPr/>
+        <p:nvPr/>
+      </p:nvGrpSpPr>
+      <p:grpSpPr>
+        <a:xfrm>
+          <a:off x="0" y="0"/>
+          <a:ext cx="0" cy="0"/>
+          <a:chOff x="0" y="0"/>
+          <a:chExt cx="0" cy="0"/>
+        </a:xfrm>
+      </p:grpSpPr>
+      <p:cxnSp>
+        <p:nvCxnSpPr>
+          <p:cNvPr id="17" name="직선 연결선 16"/>
+          <p:cNvCxnSpPr/>
+          <p:nvPr/>
+        </p:nvCxnSpPr>
+        <p:spPr>
+          <a:xfrm>
+            <a:off x="696000" y="1132932"/>
+            <a:ext cx="10800000" cy="0"/>
+          </a:xfrm>
+          <a:prstGeom prst="line">
+            <a:avLst/>
+          </a:prstGeom>
+          <a:ln w="19050">
+            <a:solidFill>
+              <a:srgbClr val="49A5BE"/>
+            </a:solidFill>
+          </a:ln>
+        </p:spPr>
+        <p:style>
+          <a:lnRef idx="1">
+            <a:schemeClr val="accent1"/>
+          </a:lnRef>
+          <a:fillRef idx="0">
+            <a:schemeClr val="accent1"/>
+          </a:fillRef>
+          <a:effectRef idx="0">
+            <a:schemeClr val="accent1"/>
+          </a:effectRef>
+          <a:fontRef idx="minor">
+            <a:schemeClr val="tx1"/>
+          </a:fontRef>
+        </p:style>
+      </p:cxnSp>
+      <p:sp>
+        <p:nvSpPr>
+          <p:cNvPr id="20" name="직사각형 19">
+            <a:extLst>
+              <a:ext uri="{FF2B5EF4-FFF2-40B4-BE49-F238E27FC236}">
+                <a16:creationId xmlns:a16="http://schemas.microsoft.com/office/drawing/2014/main" id="{01E8A2C5-9BB0-4BB8-BB8E-257FF392DA2E}"/>
+              </a:ext>
+            </a:extLst>
+          </p:cNvPr>
+          <p:cNvSpPr/>
+          <p:nvPr/>
+        </p:nvSpPr>
+        <p:spPr>
+          <a:xfrm>
+            <a:off x="2629890" y="24896"/>
+            <a:ext cx="7741026" cy="977127"/>
+          </a:xfrm>
+          <a:prstGeom prst="rect">
+            <a:avLst/>
+          </a:prstGeom>
+        </p:spPr>
+        <p:txBody>
+          <a:bodyPr wrap="square">
+            <a:spAutoFit/>
+          </a:bodyPr>
+          <a:lstStyle/>
+          <a:p>
+            <a:pPr lvl="0" algn="ctr" latinLnBrk="0">
+              <a:lnSpc>
+                <a:spcPct val="150000"/>
+              </a:lnSpc>
+              <a:defRPr/>
+            </a:pPr>
+            <a:r>
+              <a:rPr lang="en-US" altLang="ko-KR" sz="4400" b="1" kern="0" dirty="0">
+                <a:solidFill>
+                  <a:prstClr val="black">
+                    <a:lumMod val="65000"/>
+                    <a:lumOff val="35000"/>
+                  </a:prstClr>
+                </a:solidFill>
+              </a:rPr>
+              <a:t>Data Chart – Negative word</a:t>
+            </a:r>
+          </a:p>
+        </p:txBody>
+      </p:sp>
+      <p:pic>
+        <p:nvPicPr>
+          <p:cNvPr id="4" name="그림 3">
+            <a:extLst>
+              <a:ext uri="{FF2B5EF4-FFF2-40B4-BE49-F238E27FC236}">
+                <a16:creationId xmlns:a16="http://schemas.microsoft.com/office/drawing/2014/main" id="{0A35492C-15A3-434A-ACD2-282A8965D7E1}"/>
+              </a:ext>
+            </a:extLst>
+          </p:cNvPr>
+          <p:cNvPicPr>
+            <a:picLocks noChangeAspect="1"/>
+          </p:cNvPicPr>
+          <p:nvPr/>
+        </p:nvPicPr>
+        <p:blipFill rotWithShape="1">
+          <a:blip r:embed="rId3"/>
           <a:srcRect l="8384" t="1039" r="4679" b="6144"/>
           <a:stretch/>
         </p:blipFill>
@@ -5094,7 +5943,7 @@
           <p:nvPr/>
         </p:nvPicPr>
         <p:blipFill rotWithShape="1">
-          <a:blip r:embed="rId3">
+          <a:blip r:embed="rId4">
             <a:extLst>
               <a:ext uri="{28A0092B-C50C-407E-A947-70E740481C1C}">
                 <a14:useLocalDpi xmlns:a14="http://schemas.microsoft.com/office/drawing/2010/main" val="0"/>
@@ -5115,6 +5964,9 @@
         </p:spPr>
       </p:pic>
     </p:spTree>
+    <p:custDataLst>
+      <p:tags r:id="rId1"/>
+    </p:custDataLst>
     <p:extLst>
       <p:ext uri="{BB962C8B-B14F-4D97-AF65-F5344CB8AC3E}">
         <p14:creationId xmlns:p14="http://schemas.microsoft.com/office/powerpoint/2010/main" val="2555034355"/>
@@ -5248,7 +6100,7 @@
 </p:sld>
 </file>
 
-<file path=ppt/slides/slide12.xml><?xml version="1.0" encoding="utf-8"?>
+<file path=ppt/slides/slide15.xml><?xml version="1.0" encoding="utf-8"?>
 <p:sld xmlns:a="http://schemas.openxmlformats.org/drawingml/2006/main" xmlns:r="http://schemas.openxmlformats.org/officeDocument/2006/relationships" xmlns:p="http://schemas.openxmlformats.org/presentationml/2006/main">
   <p:cSld>
     <p:bg>
@@ -5423,7 +6275,7 @@
 </p:sld>
 </file>
 
-<file path=ppt/slides/slide13.xml><?xml version="1.0" encoding="utf-8"?>
+<file path=ppt/slides/slide16.xml><?xml version="1.0" encoding="utf-8"?>
 <p:sld xmlns:a="http://schemas.openxmlformats.org/drawingml/2006/main" xmlns:r="http://schemas.openxmlformats.org/officeDocument/2006/relationships" xmlns:p="http://schemas.openxmlformats.org/presentationml/2006/main">
   <p:cSld>
     <p:bg>
@@ -5886,6 +6738,526 @@
     <p:extLst>
       <p:ext uri="{BB962C8B-B14F-4D97-AF65-F5344CB8AC3E}">
         <p14:creationId xmlns:p14="http://schemas.microsoft.com/office/powerpoint/2010/main" val="1678066659"/>
+      </p:ext>
+    </p:extLst>
+  </p:cSld>
+  <p:clrMapOvr>
+    <a:masterClrMapping/>
+  </p:clrMapOvr>
+</p:sld>
+</file>
+
+<file path=ppt/slides/slide17.xml><?xml version="1.0" encoding="utf-8"?>
+<p:sld xmlns:a="http://schemas.openxmlformats.org/drawingml/2006/main" xmlns:r="http://schemas.openxmlformats.org/officeDocument/2006/relationships" xmlns:p="http://schemas.openxmlformats.org/presentationml/2006/main">
+  <p:cSld>
+    <p:bg>
+      <p:bgPr>
+        <a:solidFill>
+          <a:srgbClr val="EEDAC1"/>
+        </a:solidFill>
+        <a:effectLst/>
+      </p:bgPr>
+    </p:bg>
+    <p:spTree>
+      <p:nvGrpSpPr>
+        <p:cNvPr id="1" name=""/>
+        <p:cNvGrpSpPr/>
+        <p:nvPr/>
+      </p:nvGrpSpPr>
+      <p:grpSpPr>
+        <a:xfrm>
+          <a:off x="0" y="0"/>
+          <a:ext cx="0" cy="0"/>
+          <a:chOff x="0" y="0"/>
+          <a:chExt cx="0" cy="0"/>
+        </a:xfrm>
+      </p:grpSpPr>
+      <p:cxnSp>
+        <p:nvCxnSpPr>
+          <p:cNvPr id="17" name="직선 연결선 16"/>
+          <p:cNvCxnSpPr/>
+          <p:nvPr/>
+        </p:nvCxnSpPr>
+        <p:spPr>
+          <a:xfrm>
+            <a:off x="696000" y="1132932"/>
+            <a:ext cx="10800000" cy="0"/>
+          </a:xfrm>
+          <a:prstGeom prst="line">
+            <a:avLst/>
+          </a:prstGeom>
+          <a:ln w="19050">
+            <a:solidFill>
+              <a:srgbClr val="49A5BE"/>
+            </a:solidFill>
+          </a:ln>
+        </p:spPr>
+        <p:style>
+          <a:lnRef idx="1">
+            <a:schemeClr val="accent1"/>
+          </a:lnRef>
+          <a:fillRef idx="0">
+            <a:schemeClr val="accent1"/>
+          </a:fillRef>
+          <a:effectRef idx="0">
+            <a:schemeClr val="accent1"/>
+          </a:effectRef>
+          <a:fontRef idx="minor">
+            <a:schemeClr val="tx1"/>
+          </a:fontRef>
+        </p:style>
+      </p:cxnSp>
+      <p:sp>
+        <p:nvSpPr>
+          <p:cNvPr id="16" name="직사각형 15">
+            <a:extLst>
+              <a:ext uri="{FF2B5EF4-FFF2-40B4-BE49-F238E27FC236}">
+                <a16:creationId xmlns:a16="http://schemas.microsoft.com/office/drawing/2014/main" id="{BC95E5B6-9AC4-4053-8360-E1F4D6863D8F}"/>
+              </a:ext>
+            </a:extLst>
+          </p:cNvPr>
+          <p:cNvSpPr/>
+          <p:nvPr/>
+        </p:nvSpPr>
+        <p:spPr>
+          <a:xfrm>
+            <a:off x="2629890" y="24896"/>
+            <a:ext cx="7741026" cy="977127"/>
+          </a:xfrm>
+          <a:prstGeom prst="rect">
+            <a:avLst/>
+          </a:prstGeom>
+        </p:spPr>
+        <p:txBody>
+          <a:bodyPr wrap="square">
+            <a:spAutoFit/>
+          </a:bodyPr>
+          <a:lstStyle/>
+          <a:p>
+            <a:pPr marL="0" marR="0" lvl="0" indent="0" algn="ctr" defTabSz="914400" rtl="0" eaLnBrk="1" fontAlgn="auto" latinLnBrk="0" hangingPunct="1">
+              <a:lnSpc>
+                <a:spcPct val="150000"/>
+              </a:lnSpc>
+              <a:spcBef>
+                <a:spcPts val="0"/>
+              </a:spcBef>
+              <a:spcAft>
+                <a:spcPts val="0"/>
+              </a:spcAft>
+              <a:buClrTx/>
+              <a:buSzTx/>
+              <a:buFontTx/>
+              <a:buNone/>
+              <a:tabLst/>
+              <a:defRPr/>
+            </a:pPr>
+            <a:r>
+              <a:rPr kumimoji="0" lang="en-US" altLang="ko-KR" sz="4400" b="1" i="0" u="none" strike="noStrike" kern="0" cap="none" spc="0" normalizeH="0" baseline="0" noProof="0" dirty="0">
+                <a:ln>
+                  <a:noFill/>
+                </a:ln>
+                <a:solidFill>
+                  <a:prstClr val="black">
+                    <a:lumMod val="65000"/>
+                    <a:lumOff val="35000"/>
+                  </a:prstClr>
+                </a:solidFill>
+                <a:effectLst/>
+                <a:uLnTx/>
+                <a:uFillTx/>
+                <a:latin typeface="맑은 고딕" panose="020F0502020204030204"/>
+                <a:ea typeface="맑은 고딕" panose="020B0503020000020004" pitchFamily="50" charset="-127"/>
+                <a:cs typeface="+mn-cs"/>
+              </a:rPr>
+              <a:t>Reference</a:t>
+            </a:r>
+          </a:p>
+        </p:txBody>
+      </p:sp>
+      <p:grpSp>
+        <p:nvGrpSpPr>
+          <p:cNvPr id="4" name="그룹 3">
+            <a:extLst>
+              <a:ext uri="{FF2B5EF4-FFF2-40B4-BE49-F238E27FC236}">
+                <a16:creationId xmlns:a16="http://schemas.microsoft.com/office/drawing/2014/main" id="{4BA5D5F3-69BA-4355-BFB9-C4ECDE4E2441}"/>
+              </a:ext>
+            </a:extLst>
+          </p:cNvPr>
+          <p:cNvGrpSpPr/>
+          <p:nvPr/>
+        </p:nvGrpSpPr>
+        <p:grpSpPr>
+          <a:xfrm>
+            <a:off x="2081349" y="2351314"/>
+            <a:ext cx="6515100" cy="369332"/>
+            <a:chOff x="2081349" y="2351314"/>
+            <a:chExt cx="6515100" cy="369332"/>
+          </a:xfrm>
+        </p:grpSpPr>
+        <p:sp>
+          <p:nvSpPr>
+            <p:cNvPr id="2" name="TextBox 1">
+              <a:extLst>
+                <a:ext uri="{FF2B5EF4-FFF2-40B4-BE49-F238E27FC236}">
+                  <a16:creationId xmlns:a16="http://schemas.microsoft.com/office/drawing/2014/main" id="{93DB0233-5989-449C-BB4B-7BEF073C7FC3}"/>
+                </a:ext>
+              </a:extLst>
+            </p:cNvPr>
+            <p:cNvSpPr txBox="1"/>
+            <p:nvPr/>
+          </p:nvSpPr>
+          <p:spPr>
+            <a:xfrm>
+              <a:off x="4253049" y="2351314"/>
+              <a:ext cx="4343400" cy="369332"/>
+            </a:xfrm>
+            <a:prstGeom prst="rect">
+              <a:avLst/>
+            </a:prstGeom>
+            <a:noFill/>
+          </p:spPr>
+          <p:txBody>
+            <a:bodyPr wrap="square" rtlCol="0">
+              <a:spAutoFit/>
+            </a:bodyPr>
+            <a:lstStyle/>
+            <a:p>
+              <a:r>
+                <a:rPr lang="en-US" altLang="ko-KR" dirty="0">
+                  <a:hlinkClick r:id="rId2"/>
+                </a:rPr>
+                <a:t>https://countwordsfree.com/stopwords</a:t>
+              </a:r>
+              <a:endParaRPr lang="ko-KR" altLang="en-US" dirty="0"/>
+            </a:p>
+          </p:txBody>
+        </p:sp>
+        <p:sp>
+          <p:nvSpPr>
+            <p:cNvPr id="13" name="TextBox 12">
+              <a:extLst>
+                <a:ext uri="{FF2B5EF4-FFF2-40B4-BE49-F238E27FC236}">
+                  <a16:creationId xmlns:a16="http://schemas.microsoft.com/office/drawing/2014/main" id="{C3371D2D-FAC4-4882-A8AF-50DD6EFC16DB}"/>
+                </a:ext>
+              </a:extLst>
+            </p:cNvPr>
+            <p:cNvSpPr txBox="1"/>
+            <p:nvPr/>
+          </p:nvSpPr>
+          <p:spPr>
+            <a:xfrm>
+              <a:off x="2081349" y="2351314"/>
+              <a:ext cx="4343400" cy="369332"/>
+            </a:xfrm>
+            <a:prstGeom prst="rect">
+              <a:avLst/>
+            </a:prstGeom>
+            <a:noFill/>
+          </p:spPr>
+          <p:txBody>
+            <a:bodyPr wrap="square" rtlCol="0">
+              <a:spAutoFit/>
+            </a:bodyPr>
+            <a:lstStyle/>
+            <a:p>
+              <a:r>
+                <a:rPr lang="en-US" altLang="ko-KR" dirty="0"/>
+                <a:t>Stop word Txt file - </a:t>
+              </a:r>
+              <a:endParaRPr lang="ko-KR" altLang="en-US" dirty="0"/>
+            </a:p>
+          </p:txBody>
+        </p:sp>
+      </p:grpSp>
+      <p:grpSp>
+        <p:nvGrpSpPr>
+          <p:cNvPr id="15" name="그룹 14">
+            <a:extLst>
+              <a:ext uri="{FF2B5EF4-FFF2-40B4-BE49-F238E27FC236}">
+                <a16:creationId xmlns:a16="http://schemas.microsoft.com/office/drawing/2014/main" id="{20627973-F9DE-4CFB-91FE-024BF9D35529}"/>
+              </a:ext>
+            </a:extLst>
+          </p:cNvPr>
+          <p:cNvGrpSpPr/>
+          <p:nvPr/>
+        </p:nvGrpSpPr>
+        <p:grpSpPr>
+          <a:xfrm>
+            <a:off x="2081349" y="3059668"/>
+            <a:ext cx="7666082" cy="646331"/>
+            <a:chOff x="2081349" y="2351314"/>
+            <a:chExt cx="6323250" cy="646331"/>
+          </a:xfrm>
+        </p:grpSpPr>
+        <p:sp>
+          <p:nvSpPr>
+            <p:cNvPr id="18" name="TextBox 17">
+              <a:extLst>
+                <a:ext uri="{FF2B5EF4-FFF2-40B4-BE49-F238E27FC236}">
+                  <a16:creationId xmlns:a16="http://schemas.microsoft.com/office/drawing/2014/main" id="{C4632E46-BE6E-420F-8E09-DC1B12FFFC6C}"/>
+                </a:ext>
+              </a:extLst>
+            </p:cNvPr>
+            <p:cNvSpPr txBox="1"/>
+            <p:nvPr/>
+          </p:nvSpPr>
+          <p:spPr>
+            <a:xfrm>
+              <a:off x="4061199" y="2351314"/>
+              <a:ext cx="4343400" cy="646331"/>
+            </a:xfrm>
+            <a:prstGeom prst="rect">
+              <a:avLst/>
+            </a:prstGeom>
+            <a:noFill/>
+          </p:spPr>
+          <p:txBody>
+            <a:bodyPr wrap="square" rtlCol="0">
+              <a:spAutoFit/>
+            </a:bodyPr>
+            <a:lstStyle/>
+            <a:p>
+              <a:r>
+                <a:rPr lang="en-US" altLang="ko-KR" dirty="0">
+                  <a:hlinkClick r:id="rId3"/>
+                </a:rPr>
+                <a:t>https://gist.github.com/mkulakowski2/4289437</a:t>
+              </a:r>
+              <a:endParaRPr lang="ko-KR" altLang="en-US" dirty="0"/>
+            </a:p>
+          </p:txBody>
+        </p:sp>
+        <p:sp>
+          <p:nvSpPr>
+            <p:cNvPr id="19" name="TextBox 18">
+              <a:extLst>
+                <a:ext uri="{FF2B5EF4-FFF2-40B4-BE49-F238E27FC236}">
+                  <a16:creationId xmlns:a16="http://schemas.microsoft.com/office/drawing/2014/main" id="{E0CF86B7-C813-4115-9E9B-A656AD24B1E3}"/>
+                </a:ext>
+              </a:extLst>
+            </p:cNvPr>
+            <p:cNvSpPr txBox="1"/>
+            <p:nvPr/>
+          </p:nvSpPr>
+          <p:spPr>
+            <a:xfrm>
+              <a:off x="2081349" y="2351314"/>
+              <a:ext cx="4343400" cy="369332"/>
+            </a:xfrm>
+            <a:prstGeom prst="rect">
+              <a:avLst/>
+            </a:prstGeom>
+            <a:noFill/>
+          </p:spPr>
+          <p:txBody>
+            <a:bodyPr wrap="square" rtlCol="0">
+              <a:spAutoFit/>
+            </a:bodyPr>
+            <a:lstStyle/>
+            <a:p>
+              <a:r>
+                <a:rPr lang="en-US" altLang="ko-KR" dirty="0"/>
+                <a:t>Positive word Txt file - </a:t>
+              </a:r>
+              <a:endParaRPr lang="ko-KR" altLang="en-US" dirty="0"/>
+            </a:p>
+          </p:txBody>
+        </p:sp>
+      </p:grpSp>
+      <p:grpSp>
+        <p:nvGrpSpPr>
+          <p:cNvPr id="20" name="그룹 19">
+            <a:extLst>
+              <a:ext uri="{FF2B5EF4-FFF2-40B4-BE49-F238E27FC236}">
+                <a16:creationId xmlns:a16="http://schemas.microsoft.com/office/drawing/2014/main" id="{C5D48870-FB31-44FD-85E4-A0D529C2E740}"/>
+              </a:ext>
+            </a:extLst>
+          </p:cNvPr>
+          <p:cNvGrpSpPr/>
+          <p:nvPr/>
+        </p:nvGrpSpPr>
+        <p:grpSpPr>
+          <a:xfrm>
+            <a:off x="2081349" y="3768022"/>
+            <a:ext cx="7809773" cy="369332"/>
+            <a:chOff x="2081349" y="2351314"/>
+            <a:chExt cx="6441771" cy="369332"/>
+          </a:xfrm>
+        </p:grpSpPr>
+        <p:sp>
+          <p:nvSpPr>
+            <p:cNvPr id="21" name="TextBox 20">
+              <a:extLst>
+                <a:ext uri="{FF2B5EF4-FFF2-40B4-BE49-F238E27FC236}">
+                  <a16:creationId xmlns:a16="http://schemas.microsoft.com/office/drawing/2014/main" id="{ACC8A631-BB96-4FD4-BED4-29262F3FEE3E}"/>
+                </a:ext>
+              </a:extLst>
+            </p:cNvPr>
+            <p:cNvSpPr txBox="1"/>
+            <p:nvPr/>
+          </p:nvSpPr>
+          <p:spPr>
+            <a:xfrm>
+              <a:off x="4179720" y="2351314"/>
+              <a:ext cx="4343400" cy="369332"/>
+            </a:xfrm>
+            <a:prstGeom prst="rect">
+              <a:avLst/>
+            </a:prstGeom>
+            <a:noFill/>
+          </p:spPr>
+          <p:txBody>
+            <a:bodyPr wrap="square" rtlCol="0">
+              <a:spAutoFit/>
+            </a:bodyPr>
+            <a:lstStyle/>
+            <a:p>
+              <a:r>
+                <a:rPr lang="en-US" altLang="ko-KR" dirty="0">
+                  <a:hlinkClick r:id="rId4"/>
+                </a:rPr>
+                <a:t>https://gist.github.com/mkulakowski2/4289441</a:t>
+              </a:r>
+              <a:endParaRPr lang="ko-KR" altLang="en-US" dirty="0"/>
+            </a:p>
+          </p:txBody>
+        </p:sp>
+        <p:sp>
+          <p:nvSpPr>
+            <p:cNvPr id="22" name="TextBox 21">
+              <a:extLst>
+                <a:ext uri="{FF2B5EF4-FFF2-40B4-BE49-F238E27FC236}">
+                  <a16:creationId xmlns:a16="http://schemas.microsoft.com/office/drawing/2014/main" id="{A555E616-4058-4EB7-B2A7-4428EA66675B}"/>
+                </a:ext>
+              </a:extLst>
+            </p:cNvPr>
+            <p:cNvSpPr txBox="1"/>
+            <p:nvPr/>
+          </p:nvSpPr>
+          <p:spPr>
+            <a:xfrm>
+              <a:off x="2081349" y="2351314"/>
+              <a:ext cx="4343400" cy="369332"/>
+            </a:xfrm>
+            <a:prstGeom prst="rect">
+              <a:avLst/>
+            </a:prstGeom>
+            <a:noFill/>
+          </p:spPr>
+          <p:txBody>
+            <a:bodyPr wrap="square" rtlCol="0">
+              <a:spAutoFit/>
+            </a:bodyPr>
+            <a:lstStyle/>
+            <a:p>
+              <a:r>
+                <a:rPr lang="en-US" altLang="ko-KR" dirty="0"/>
+                <a:t>Negative word Txt file - </a:t>
+              </a:r>
+              <a:endParaRPr lang="ko-KR" altLang="en-US" dirty="0"/>
+            </a:p>
+          </p:txBody>
+        </p:sp>
+      </p:grpSp>
+      <p:grpSp>
+        <p:nvGrpSpPr>
+          <p:cNvPr id="23" name="그룹 22">
+            <a:extLst>
+              <a:ext uri="{FF2B5EF4-FFF2-40B4-BE49-F238E27FC236}">
+                <a16:creationId xmlns:a16="http://schemas.microsoft.com/office/drawing/2014/main" id="{D90EDB64-1F5B-4115-BC93-C8D4A3A1C798}"/>
+              </a:ext>
+            </a:extLst>
+          </p:cNvPr>
+          <p:cNvGrpSpPr/>
+          <p:nvPr/>
+        </p:nvGrpSpPr>
+        <p:grpSpPr>
+          <a:xfrm>
+            <a:off x="2081349" y="4416811"/>
+            <a:ext cx="9267734" cy="369332"/>
+            <a:chOff x="2081349" y="2351314"/>
+            <a:chExt cx="7644348" cy="369332"/>
+          </a:xfrm>
+        </p:grpSpPr>
+        <p:sp>
+          <p:nvSpPr>
+            <p:cNvPr id="24" name="TextBox 23">
+              <a:extLst>
+                <a:ext uri="{FF2B5EF4-FFF2-40B4-BE49-F238E27FC236}">
+                  <a16:creationId xmlns:a16="http://schemas.microsoft.com/office/drawing/2014/main" id="{2CDAFCB6-9ABE-4B4F-8F14-36F80BBC4300}"/>
+                </a:ext>
+              </a:extLst>
+            </p:cNvPr>
+            <p:cNvSpPr txBox="1"/>
+            <p:nvPr/>
+          </p:nvSpPr>
+          <p:spPr>
+            <a:xfrm>
+              <a:off x="4333859" y="2351314"/>
+              <a:ext cx="5391838" cy="369332"/>
+            </a:xfrm>
+            <a:prstGeom prst="rect">
+              <a:avLst/>
+            </a:prstGeom>
+            <a:noFill/>
+          </p:spPr>
+          <p:txBody>
+            <a:bodyPr wrap="square" rtlCol="0">
+              <a:spAutoFit/>
+            </a:bodyPr>
+            <a:lstStyle/>
+            <a:p>
+              <a:r>
+                <a:rPr lang="en-US" altLang="ko-KR" dirty="0">
+                  <a:hlinkClick r:id="rId5"/>
+                </a:rPr>
+                <a:t>https://github.com/SangHyune546/NLP/tree/master/Project1</a:t>
+              </a:r>
+              <a:endParaRPr lang="ko-KR" altLang="en-US" dirty="0"/>
+            </a:p>
+          </p:txBody>
+        </p:sp>
+        <p:sp>
+          <p:nvSpPr>
+            <p:cNvPr id="25" name="TextBox 24">
+              <a:extLst>
+                <a:ext uri="{FF2B5EF4-FFF2-40B4-BE49-F238E27FC236}">
+                  <a16:creationId xmlns:a16="http://schemas.microsoft.com/office/drawing/2014/main" id="{A6C8C790-EADE-4057-AB0F-2042BCB73C33}"/>
+                </a:ext>
+              </a:extLst>
+            </p:cNvPr>
+            <p:cNvSpPr txBox="1"/>
+            <p:nvPr/>
+          </p:nvSpPr>
+          <p:spPr>
+            <a:xfrm>
+              <a:off x="2081349" y="2351314"/>
+              <a:ext cx="4343400" cy="369332"/>
+            </a:xfrm>
+            <a:prstGeom prst="rect">
+              <a:avLst/>
+            </a:prstGeom>
+            <a:noFill/>
+          </p:spPr>
+          <p:txBody>
+            <a:bodyPr wrap="square" rtlCol="0">
+              <a:spAutoFit/>
+            </a:bodyPr>
+            <a:lstStyle/>
+            <a:p>
+              <a:r>
+                <a:rPr lang="en-US" altLang="ko-KR" dirty="0"/>
+                <a:t>My Project Git hub Link - </a:t>
+              </a:r>
+              <a:endParaRPr lang="ko-KR" altLang="en-US" dirty="0"/>
+            </a:p>
+          </p:txBody>
+        </p:sp>
+      </p:grpSp>
+    </p:spTree>
+    <p:extLst>
+      <p:ext uri="{BB962C8B-B14F-4D97-AF65-F5344CB8AC3E}">
+        <p14:creationId xmlns:p14="http://schemas.microsoft.com/office/powerpoint/2010/main" val="1662991735"/>
       </p:ext>
     </p:extLst>
   </p:cSld>
@@ -8527,8 +9899,8 @@
         </p:nvSpPr>
         <p:spPr>
           <a:xfrm>
-            <a:off x="3474842" y="0"/>
-            <a:ext cx="5345208" cy="977127"/>
+            <a:off x="3474841" y="0"/>
+            <a:ext cx="6479055" cy="977127"/>
           </a:xfrm>
           <a:prstGeom prst="rect">
             <a:avLst/>
@@ -8566,7 +9938,7 @@
                   </a:prstClr>
                 </a:solidFill>
               </a:rPr>
-              <a:t>- Indexing</a:t>
+              <a:t>– Indexing word</a:t>
             </a:r>
             <a:endParaRPr lang="en-US" altLang="ko-KR" sz="4400" b="1" kern="0" dirty="0">
               <a:solidFill>
@@ -8857,41 +10229,6 @@
           <a:chExt cx="0" cy="0"/>
         </a:xfrm>
       </p:grpSpPr>
-      <p:cxnSp>
-        <p:nvCxnSpPr>
-          <p:cNvPr id="17" name="직선 연결선 16"/>
-          <p:cNvCxnSpPr/>
-          <p:nvPr/>
-        </p:nvCxnSpPr>
-        <p:spPr>
-          <a:xfrm>
-            <a:off x="696000" y="1132932"/>
-            <a:ext cx="10800000" cy="0"/>
-          </a:xfrm>
-          <a:prstGeom prst="line">
-            <a:avLst/>
-          </a:prstGeom>
-          <a:ln w="19050">
-            <a:solidFill>
-              <a:srgbClr val="49A5BE"/>
-            </a:solidFill>
-          </a:ln>
-        </p:spPr>
-        <p:style>
-          <a:lnRef idx="1">
-            <a:schemeClr val="accent1"/>
-          </a:lnRef>
-          <a:fillRef idx="0">
-            <a:schemeClr val="accent1"/>
-          </a:fillRef>
-          <a:effectRef idx="0">
-            <a:schemeClr val="accent1"/>
-          </a:effectRef>
-          <a:fontRef idx="minor">
-            <a:schemeClr val="tx1"/>
-          </a:fontRef>
-        </p:style>
-      </p:cxnSp>
       <p:sp>
         <p:nvSpPr>
           <p:cNvPr id="52" name="직각 삼각형 51"/>
@@ -9042,12 +10379,82 @@
           </a:p>
         </p:txBody>
       </p:sp>
+      <p:pic>
+        <p:nvPicPr>
+          <p:cNvPr id="3" name="그림 2">
+            <a:extLst>
+              <a:ext uri="{FF2B5EF4-FFF2-40B4-BE49-F238E27FC236}">
+                <a16:creationId xmlns:a16="http://schemas.microsoft.com/office/drawing/2014/main" id="{90F1B4A7-6DEE-4732-AA42-53774F1FF7AD}"/>
+              </a:ext>
+            </a:extLst>
+          </p:cNvPr>
+          <p:cNvPicPr>
+            <a:picLocks noChangeAspect="1"/>
+          </p:cNvPicPr>
+          <p:nvPr/>
+        </p:nvPicPr>
+        <p:blipFill rotWithShape="1">
+          <a:blip r:embed="rId2"/>
+          <a:srcRect r="54566"/>
+          <a:stretch/>
+        </p:blipFill>
+        <p:spPr>
+          <a:xfrm>
+            <a:off x="3090983" y="1500841"/>
+            <a:ext cx="1820651" cy="5030588"/>
+          </a:xfrm>
+          <a:prstGeom prst="rect">
+            <a:avLst/>
+          </a:prstGeom>
+        </p:spPr>
+      </p:pic>
+      <p:cxnSp>
+        <p:nvCxnSpPr>
+          <p:cNvPr id="11" name="직선 연결선 10">
+            <a:extLst>
+              <a:ext uri="{FF2B5EF4-FFF2-40B4-BE49-F238E27FC236}">
+                <a16:creationId xmlns:a16="http://schemas.microsoft.com/office/drawing/2014/main" id="{7D3FC1E8-010B-4456-9C6E-E1D08E31B38B}"/>
+              </a:ext>
+            </a:extLst>
+          </p:cNvPr>
+          <p:cNvCxnSpPr/>
+          <p:nvPr/>
+        </p:nvCxnSpPr>
+        <p:spPr>
+          <a:xfrm>
+            <a:off x="696000" y="1132932"/>
+            <a:ext cx="10800000" cy="0"/>
+          </a:xfrm>
+          <a:prstGeom prst="line">
+            <a:avLst/>
+          </a:prstGeom>
+          <a:ln w="19050">
+            <a:solidFill>
+              <a:srgbClr val="49A5BE"/>
+            </a:solidFill>
+          </a:ln>
+        </p:spPr>
+        <p:style>
+          <a:lnRef idx="1">
+            <a:schemeClr val="accent1"/>
+          </a:lnRef>
+          <a:fillRef idx="0">
+            <a:schemeClr val="accent1"/>
+          </a:fillRef>
+          <a:effectRef idx="0">
+            <a:schemeClr val="accent1"/>
+          </a:effectRef>
+          <a:fontRef idx="minor">
+            <a:schemeClr val="tx1"/>
+          </a:fontRef>
+        </p:style>
+      </p:cxnSp>
       <p:sp>
         <p:nvSpPr>
-          <p:cNvPr id="16" name="직사각형 15">
+          <p:cNvPr id="12" name="직사각형 11">
             <a:extLst>
               <a:ext uri="{FF2B5EF4-FFF2-40B4-BE49-F238E27FC236}">
-                <a16:creationId xmlns:a16="http://schemas.microsoft.com/office/drawing/2014/main" id="{AC8634B5-7ECD-47FD-BD2F-FB2A3CA0002C}"/>
+                <a16:creationId xmlns:a16="http://schemas.microsoft.com/office/drawing/2014/main" id="{8BB54374-0279-4C26-9121-D4D9BFD3A5E0}"/>
               </a:ext>
             </a:extLst>
           </p:cNvPr>
@@ -9056,8 +10463,8 @@
         </p:nvSpPr>
         <p:spPr>
           <a:xfrm>
-            <a:off x="3474841" y="0"/>
-            <a:ext cx="5761755" cy="977127"/>
+            <a:off x="2115155" y="101972"/>
+            <a:ext cx="7961689" cy="816249"/>
           </a:xfrm>
           <a:prstGeom prst="rect">
             <a:avLst/>
@@ -9069,63 +10476,12 @@
           </a:bodyPr>
           <a:lstStyle/>
           <a:p>
-            <a:pPr marL="0" marR="0" lvl="0" indent="0" algn="ctr" defTabSz="914400" rtl="0" eaLnBrk="1" fontAlgn="auto" latinLnBrk="0" hangingPunct="1">
+            <a:pPr algn="ctr" latinLnBrk="0">
               <a:lnSpc>
                 <a:spcPct val="150000"/>
               </a:lnSpc>
-              <a:spcBef>
-                <a:spcPts val="0"/>
-              </a:spcBef>
-              <a:spcAft>
-                <a:spcPts val="0"/>
-              </a:spcAft>
-              <a:buClrTx/>
-              <a:buSzTx/>
-              <a:buFontTx/>
-              <a:buNone/>
-              <a:tabLst/>
               <a:defRPr/>
             </a:pPr>
-            <a:r>
-              <a:rPr kumimoji="0" lang="en-US" altLang="ko-KR" sz="4400" b="1" i="0" u="none" strike="noStrike" kern="0" cap="none" spc="0" normalizeH="0" baseline="0" noProof="0" dirty="0">
-                <a:ln>
-                  <a:noFill/>
-                </a:ln>
-                <a:solidFill>
-                  <a:prstClr val="black">
-                    <a:lumMod val="65000"/>
-                    <a:lumOff val="35000"/>
-                  </a:prstClr>
-                </a:solidFill>
-                <a:effectLst/>
-                <a:uLnTx/>
-                <a:uFillTx/>
-                <a:latin typeface="맑은 고딕" panose="020F0502020204030204"/>
-                <a:ea typeface="맑은 고딕" panose="020B0503020000020004" pitchFamily="50" charset="-127"/>
-                <a:cs typeface="+mn-cs"/>
-              </a:rPr>
-              <a:t>Coding 2 </a:t>
-            </a:r>
-            <a:r>
-              <a:rPr kumimoji="0" lang="en-US" altLang="ko-KR" sz="3600" b="1" i="0" u="none" strike="noStrike" kern="0" cap="none" spc="0" normalizeH="0" baseline="0" noProof="0" dirty="0">
-                <a:ln>
-                  <a:noFill/>
-                </a:ln>
-                <a:solidFill>
-                  <a:prstClr val="black">
-                    <a:lumMod val="65000"/>
-                    <a:lumOff val="35000"/>
-                  </a:prstClr>
-                </a:solidFill>
-                <a:effectLst/>
-                <a:uLnTx/>
-                <a:uFillTx/>
-                <a:latin typeface="맑은 고딕" panose="020F0502020204030204"/>
-                <a:ea typeface="맑은 고딕" panose="020B0503020000020004" pitchFamily="50" charset="-127"/>
-                <a:cs typeface="+mn-cs"/>
-              </a:rPr>
-              <a:t>– </a:t>
-            </a:r>
             <a:r>
               <a:rPr lang="en-US" altLang="ko-KR" sz="3600" b="1" kern="0" dirty="0">
                 <a:solidFill>
@@ -9134,250 +10490,26 @@
                     <a:lumOff val="35000"/>
                   </a:prstClr>
                 </a:solidFill>
-                <a:latin typeface="맑은 고딕" panose="020F0502020204030204"/>
-                <a:ea typeface="맑은 고딕" panose="020B0503020000020004" pitchFamily="50" charset="-127"/>
               </a:rPr>
-              <a:t>Compare1</a:t>
-            </a:r>
-            <a:endParaRPr kumimoji="0" lang="en-US" altLang="ko-KR" sz="4400" b="1" i="0" u="none" strike="noStrike" kern="0" cap="none" spc="0" normalizeH="0" baseline="0" noProof="0" dirty="0">
-              <a:ln>
-                <a:noFill/>
-              </a:ln>
+              <a:t>Indexing result </a:t>
+            </a:r>
+            <a:endParaRPr lang="en-US" altLang="ko-KR" sz="4400" b="1" kern="0" dirty="0">
               <a:solidFill>
                 <a:prstClr val="black">
                   <a:lumMod val="65000"/>
                   <a:lumOff val="35000"/>
                 </a:prstClr>
               </a:solidFill>
-              <a:effectLst/>
-              <a:uLnTx/>
-              <a:uFillTx/>
-              <a:latin typeface="맑은 고딕" panose="020F0502020204030204"/>
-              <a:ea typeface="맑은 고딕" panose="020B0503020000020004" pitchFamily="50" charset="-127"/>
-              <a:cs typeface="+mn-cs"/>
-            </a:endParaRPr>
-          </a:p>
-        </p:txBody>
-      </p:sp>
-      <p:sp>
-        <p:nvSpPr>
-          <p:cNvPr id="19" name="직사각형 18">
-            <a:extLst>
-              <a:ext uri="{FF2B5EF4-FFF2-40B4-BE49-F238E27FC236}">
-                <a16:creationId xmlns:a16="http://schemas.microsoft.com/office/drawing/2014/main" id="{8A8AEBDE-EA47-4F0C-9327-5159C0184192}"/>
-              </a:ext>
-            </a:extLst>
-          </p:cNvPr>
-          <p:cNvSpPr/>
-          <p:nvPr/>
-        </p:nvSpPr>
-        <p:spPr>
-          <a:xfrm>
-            <a:off x="439372" y="4966671"/>
-            <a:ext cx="6450518" cy="1700787"/>
-          </a:xfrm>
-          <a:prstGeom prst="rect">
-            <a:avLst/>
-          </a:prstGeom>
-        </p:spPr>
-        <p:txBody>
-          <a:bodyPr wrap="square">
-            <a:spAutoFit/>
-          </a:bodyPr>
-          <a:lstStyle/>
-          <a:p>
-            <a:pPr marL="342900" marR="0" lvl="0" indent="-342900" algn="l" defTabSz="914400" rtl="0" eaLnBrk="1" fontAlgn="auto" latinLnBrk="1" hangingPunct="1">
-              <a:lnSpc>
-                <a:spcPct val="150000"/>
-              </a:lnSpc>
-              <a:spcBef>
-                <a:spcPts val="0"/>
-              </a:spcBef>
-              <a:spcAft>
-                <a:spcPts val="0"/>
-              </a:spcAft>
-              <a:buClrTx/>
-              <a:buSzTx/>
-              <a:buFontTx/>
-              <a:buAutoNum type="arabicPeriod"/>
-              <a:tabLst/>
-              <a:defRPr/>
-            </a:pPr>
-            <a:r>
-              <a:rPr kumimoji="0" lang="en-US" altLang="ko-KR" sz="1800" b="1" i="0" u="none" strike="noStrike" kern="1200" cap="none" spc="0" normalizeH="0" baseline="0" noProof="0" dirty="0">
-                <a:ln>
-                  <a:noFill/>
-                </a:ln>
-                <a:solidFill>
-                  <a:prstClr val="black">
-                    <a:lumMod val="65000"/>
-                    <a:lumOff val="35000"/>
-                  </a:prstClr>
-                </a:solidFill>
-                <a:effectLst/>
-                <a:uLnTx/>
-                <a:uFillTx/>
-                <a:latin typeface="맑은 고딕" panose="020F0302020204030204"/>
-                <a:ea typeface="맑은 고딕" panose="020B0503020000020004" pitchFamily="50" charset="-127"/>
-                <a:cs typeface="+mn-cs"/>
-              </a:rPr>
-              <a:t>Open each genre’s word dictionary file</a:t>
-            </a:r>
-          </a:p>
-          <a:p>
-            <a:pPr marL="342900" marR="0" lvl="0" indent="-342900" algn="l" defTabSz="914400" rtl="0" eaLnBrk="1" fontAlgn="auto" latinLnBrk="1" hangingPunct="1">
-              <a:lnSpc>
-                <a:spcPct val="150000"/>
-              </a:lnSpc>
-              <a:spcBef>
-                <a:spcPts val="0"/>
-              </a:spcBef>
-              <a:spcAft>
-                <a:spcPts val="0"/>
-              </a:spcAft>
-              <a:buClrTx/>
-              <a:buSzTx/>
-              <a:buFontTx/>
-              <a:buAutoNum type="arabicPeriod"/>
-              <a:tabLst/>
-              <a:defRPr/>
-            </a:pPr>
-            <a:r>
-              <a:rPr kumimoji="0" lang="en-US" altLang="ko-KR" sz="1800" b="1" i="0" u="none" strike="noStrike" kern="1200" cap="none" spc="0" normalizeH="0" baseline="0" noProof="0" dirty="0">
-                <a:ln>
-                  <a:noFill/>
-                </a:ln>
-                <a:solidFill>
-                  <a:prstClr val="black">
-                    <a:lumMod val="65000"/>
-                    <a:lumOff val="35000"/>
-                  </a:prstClr>
-                </a:solidFill>
-                <a:effectLst/>
-                <a:uLnTx/>
-                <a:uFillTx/>
-                <a:latin typeface="맑은 고딕" panose="020F0302020204030204"/>
-                <a:ea typeface="맑은 고딕" panose="020B0503020000020004" pitchFamily="50" charset="-127"/>
-                <a:cs typeface="+mn-cs"/>
-              </a:rPr>
-              <a:t>Open positive &amp; negative word list file</a:t>
-            </a:r>
-          </a:p>
-          <a:p>
-            <a:pPr marL="342900" marR="0" lvl="0" indent="-342900" algn="l" defTabSz="914400" rtl="0" eaLnBrk="1" fontAlgn="auto" latinLnBrk="1" hangingPunct="1">
-              <a:lnSpc>
-                <a:spcPct val="150000"/>
-              </a:lnSpc>
-              <a:spcBef>
-                <a:spcPts val="0"/>
-              </a:spcBef>
-              <a:spcAft>
-                <a:spcPts val="0"/>
-              </a:spcAft>
-              <a:buClrTx/>
-              <a:buSzTx/>
-              <a:buFontTx/>
-              <a:buAutoNum type="arabicPeriod"/>
-              <a:tabLst/>
-              <a:defRPr/>
-            </a:pPr>
-            <a:r>
-              <a:rPr lang="en-US" altLang="ko-KR" b="1" dirty="0">
-                <a:solidFill>
-                  <a:prstClr val="black">
-                    <a:lumMod val="65000"/>
-                    <a:lumOff val="35000"/>
-                  </a:prstClr>
-                </a:solidFill>
-                <a:latin typeface="맑은 고딕" panose="020F0302020204030204"/>
-                <a:ea typeface="맑은 고딕" panose="020B0503020000020004" pitchFamily="50" charset="-127"/>
-              </a:rPr>
-              <a:t>Compare genre </a:t>
-            </a:r>
-            <a:r>
-              <a:rPr lang="en-US" altLang="ko-KR" b="1" dirty="0" err="1">
-                <a:solidFill>
-                  <a:prstClr val="black">
-                    <a:lumMod val="65000"/>
-                    <a:lumOff val="35000"/>
-                  </a:prstClr>
-                </a:solidFill>
-                <a:latin typeface="맑은 고딕" panose="020F0302020204030204"/>
-                <a:ea typeface="맑은 고딕" panose="020B0503020000020004" pitchFamily="50" charset="-127"/>
-              </a:rPr>
-              <a:t>dict</a:t>
-            </a:r>
-            <a:r>
-              <a:rPr lang="en-US" altLang="ko-KR" b="1" dirty="0">
-                <a:solidFill>
-                  <a:prstClr val="black">
-                    <a:lumMod val="65000"/>
-                    <a:lumOff val="35000"/>
-                  </a:prstClr>
-                </a:solidFill>
-                <a:latin typeface="맑은 고딕" panose="020F0302020204030204"/>
-                <a:ea typeface="맑은 고딕" panose="020B0503020000020004" pitchFamily="50" charset="-127"/>
-              </a:rPr>
-              <a:t> file with positive &amp; negative file </a:t>
-            </a:r>
-          </a:p>
-          <a:p>
-            <a:pPr marL="342900" marR="0" lvl="0" indent="-342900" algn="l" defTabSz="914400" rtl="0" eaLnBrk="1" fontAlgn="auto" latinLnBrk="1" hangingPunct="1">
-              <a:lnSpc>
-                <a:spcPct val="150000"/>
-              </a:lnSpc>
-              <a:spcBef>
-                <a:spcPts val="0"/>
-              </a:spcBef>
-              <a:spcAft>
-                <a:spcPts val="0"/>
-              </a:spcAft>
-              <a:buClrTx/>
-              <a:buSzTx/>
-              <a:buFontTx/>
-              <a:buAutoNum type="arabicPeriod"/>
-              <a:tabLst/>
-              <a:defRPr/>
-            </a:pPr>
-            <a:r>
-              <a:rPr lang="en-US" altLang="ko-KR" b="1" dirty="0">
-                <a:solidFill>
-                  <a:prstClr val="black">
-                    <a:lumMod val="65000"/>
-                    <a:lumOff val="35000"/>
-                  </a:prstClr>
-                </a:solidFill>
-                <a:latin typeface="맑은 고딕" panose="020F0302020204030204"/>
-                <a:ea typeface="맑은 고딕" panose="020B0503020000020004" pitchFamily="50" charset="-127"/>
-              </a:rPr>
-              <a:t>Save Result file as txt ( for excel chart) </a:t>
-            </a:r>
-            <a:endParaRPr kumimoji="0" lang="en-US" altLang="ko-KR" sz="1800" b="1" i="0" u="none" strike="noStrike" kern="1200" cap="none" spc="0" normalizeH="0" baseline="0" noProof="0" dirty="0">
-              <a:ln>
-                <a:noFill/>
-              </a:ln>
-              <a:solidFill>
-                <a:prstClr val="black">
-                  <a:lumMod val="65000"/>
-                  <a:lumOff val="35000"/>
-                </a:prstClr>
-              </a:solidFill>
-              <a:effectLst/>
-              <a:uLnTx/>
-              <a:uFillTx/>
-              <a:latin typeface="맑은 고딕" panose="020F0302020204030204"/>
-              <a:ea typeface="맑은 고딕" panose="020B0503020000020004" pitchFamily="50" charset="-127"/>
-              <a:cs typeface="+mn-cs"/>
             </a:endParaRPr>
           </a:p>
         </p:txBody>
       </p:sp>
       <p:pic>
         <p:nvPicPr>
-          <p:cNvPr id="4" name="그림 3">
+          <p:cNvPr id="14" name="그림 13">
             <a:extLst>
               <a:ext uri="{FF2B5EF4-FFF2-40B4-BE49-F238E27FC236}">
-                <a16:creationId xmlns:a16="http://schemas.microsoft.com/office/drawing/2014/main" id="{6C767516-578D-47D9-8AD4-209E0C0B7DF3}"/>
+                <a16:creationId xmlns:a16="http://schemas.microsoft.com/office/drawing/2014/main" id="{73AEAF4B-0E8D-447C-9C39-AE0B09C3367B}"/>
               </a:ext>
             </a:extLst>
           </p:cNvPr>
@@ -9386,78 +10518,25 @@
           </p:cNvPicPr>
           <p:nvPr/>
         </p:nvPicPr>
-        <p:blipFill>
-          <a:blip r:embed="rId2"/>
-          <a:stretch>
-            <a:fillRect/>
-          </a:stretch>
+        <p:blipFill rotWithShape="1">
+          <a:blip r:embed="rId3">
+            <a:extLst>
+              <a:ext uri="{28A0092B-C50C-407E-A947-70E740481C1C}">
+                <a14:useLocalDpi xmlns:a14="http://schemas.microsoft.com/office/drawing/2010/main" val="0"/>
+              </a:ext>
+            </a:extLst>
+          </a:blip>
+          <a:srcRect r="48608"/>
+          <a:stretch/>
         </p:blipFill>
         <p:spPr>
           <a:xfrm>
-            <a:off x="1735014" y="1203864"/>
-            <a:ext cx="5182788" cy="3552980"/>
+            <a:off x="7060410" y="1553092"/>
+            <a:ext cx="1759640" cy="5030588"/>
           </a:xfrm>
           <a:prstGeom prst="rect">
             <a:avLst/>
           </a:prstGeom>
-          <a:ln w="38100" cap="sq">
-            <a:solidFill>
-              <a:srgbClr val="000000"/>
-            </a:solidFill>
-            <a:prstDash val="solid"/>
-            <a:miter lim="800000"/>
-          </a:ln>
-          <a:effectLst>
-            <a:outerShdw blurRad="50800" dist="38100" dir="2700000" algn="tl" rotWithShape="0">
-              <a:srgbClr val="000000">
-                <a:alpha val="43000"/>
-              </a:srgbClr>
-            </a:outerShdw>
-          </a:effectLst>
-        </p:spPr>
-      </p:pic>
-      <p:pic>
-        <p:nvPicPr>
-          <p:cNvPr id="5" name="그림 4">
-            <a:extLst>
-              <a:ext uri="{FF2B5EF4-FFF2-40B4-BE49-F238E27FC236}">
-                <a16:creationId xmlns:a16="http://schemas.microsoft.com/office/drawing/2014/main" id="{6C921C43-9220-44FD-9447-A6B231BFCB01}"/>
-              </a:ext>
-            </a:extLst>
-          </p:cNvPr>
-          <p:cNvPicPr>
-            <a:picLocks noChangeAspect="1"/>
-          </p:cNvPicPr>
-          <p:nvPr/>
-        </p:nvPicPr>
-        <p:blipFill>
-          <a:blip r:embed="rId3"/>
-          <a:stretch>
-            <a:fillRect/>
-          </a:stretch>
-        </p:blipFill>
-        <p:spPr>
-          <a:xfrm>
-            <a:off x="7136934" y="1203863"/>
-            <a:ext cx="3988674" cy="5647600"/>
-          </a:xfrm>
-          <a:prstGeom prst="rect">
-            <a:avLst/>
-          </a:prstGeom>
-          <a:ln w="38100" cap="sq">
-            <a:solidFill>
-              <a:srgbClr val="000000"/>
-            </a:solidFill>
-            <a:prstDash val="solid"/>
-            <a:miter lim="800000"/>
-          </a:ln>
-          <a:effectLst>
-            <a:outerShdw blurRad="50800" dist="38100" dir="2700000" algn="tl" rotWithShape="0">
-              <a:srgbClr val="000000">
-                <a:alpha val="43000"/>
-              </a:srgbClr>
-            </a:outerShdw>
-          </a:effectLst>
         </p:spPr>
       </p:pic>
     </p:spTree>
@@ -9697,8 +10776,8 @@
         </p:nvSpPr>
         <p:spPr>
           <a:xfrm>
-            <a:off x="3474841" y="0"/>
-            <a:ext cx="5761755" cy="977127"/>
+            <a:off x="1237145" y="-54022"/>
+            <a:ext cx="9820563" cy="977127"/>
           </a:xfrm>
           <a:prstGeom prst="rect">
             <a:avLst/>
@@ -9765,7 +10844,7 @@
                 <a:ea typeface="맑은 고딕" panose="020B0503020000020004" pitchFamily="50" charset="-127"/>
                 <a:cs typeface="+mn-cs"/>
               </a:rPr>
-              <a:t>– Compare2</a:t>
+              <a:t>– Compare positive &amp; negative</a:t>
             </a:r>
             <a:endParaRPr kumimoji="0" lang="en-US" altLang="ko-KR" sz="4400" b="1" i="0" u="none" strike="noStrike" kern="0" cap="none" spc="0" normalizeH="0" baseline="0" noProof="0" dirty="0">
               <a:ln>
@@ -9801,8 +10880,8 @@
         </p:nvSpPr>
         <p:spPr>
           <a:xfrm>
-            <a:off x="1491163" y="5339763"/>
-            <a:ext cx="7571814" cy="1285288"/>
+            <a:off x="439372" y="4966671"/>
+            <a:ext cx="6450518" cy="1700787"/>
           </a:xfrm>
           <a:prstGeom prst="rect">
             <a:avLst/>
@@ -9849,7 +10928,7 @@
                 <a:ea typeface="맑은 고딕" panose="020B0503020000020004" pitchFamily="50" charset="-127"/>
                 <a:cs typeface="+mn-cs"/>
               </a:rPr>
-              <a:t>Open each genre’s word compare dictionary file</a:t>
+              <a:t>Open each genre’s word dictionary file</a:t>
             </a:r>
           </a:p>
           <a:p>
@@ -9888,20 +10967,46 @@
                 <a:ea typeface="맑은 고딕" panose="020B0503020000020004" pitchFamily="50" charset="-127"/>
                 <a:cs typeface="+mn-cs"/>
               </a:rPr>
-              <a:t>Compare each file – word, Frequency - </a:t>
-            </a:r>
-            <a:r>
-              <a:rPr lang="en-US" altLang="ko-KR" b="1" dirty="0">
+              <a:t>Open positive &amp; negative word list file</a:t>
+            </a:r>
+          </a:p>
+          <a:p>
+            <a:pPr marL="342900" marR="0" lvl="0" indent="-342900" algn="l" defTabSz="914400" rtl="0" eaLnBrk="1" fontAlgn="auto" latinLnBrk="1" hangingPunct="1">
+              <a:lnSpc>
+                <a:spcPct val="150000"/>
+              </a:lnSpc>
+              <a:spcBef>
+                <a:spcPts val="0"/>
+              </a:spcBef>
+              <a:spcAft>
+                <a:spcPts val="0"/>
+              </a:spcAft>
+              <a:buClrTx/>
+              <a:buSzTx/>
+              <a:buFontTx/>
+              <a:buAutoNum type="arabicPeriod"/>
+              <a:tabLst/>
+              <a:defRPr/>
+            </a:pPr>
+            <a:r>
+              <a:rPr kumimoji="0" lang="en-US" altLang="ko-KR" sz="1800" b="1" i="0" u="none" strike="noStrike" kern="1200" cap="none" spc="0" normalizeH="0" baseline="0" noProof="0" dirty="0">
+                <a:ln>
+                  <a:noFill/>
+                </a:ln>
                 <a:solidFill>
                   <a:prstClr val="black">
                     <a:lumMod val="65000"/>
                     <a:lumOff val="35000"/>
                   </a:prstClr>
                 </a:solidFill>
+                <a:effectLst/>
+                <a:uLnTx/>
+                <a:uFillTx/>
                 <a:latin typeface="맑은 고딕" panose="020F0302020204030204"/>
                 <a:ea typeface="맑은 고딕" panose="020B0503020000020004" pitchFamily="50" charset="-127"/>
+                <a:cs typeface="+mn-cs"/>
               </a:rPr>
-              <a:t>C</a:t>
+              <a:t>Compare genre </a:t>
             </a:r>
             <a:r>
               <a:rPr kumimoji="0" lang="en-US" altLang="ko-KR" sz="1800" b="1" i="0" u="none" strike="noStrike" kern="1200" cap="none" spc="0" normalizeH="0" baseline="0" noProof="0" dirty="0" err="1">
@@ -9921,7 +11026,7 @@
                 <a:ea typeface="맑은 고딕" panose="020B0503020000020004" pitchFamily="50" charset="-127"/>
                 <a:cs typeface="+mn-cs"/>
               </a:rPr>
-              <a:t>mp</a:t>
+              <a:t>dict</a:t>
             </a:r>
             <a:r>
               <a:rPr kumimoji="0" lang="en-US" altLang="ko-KR" sz="1800" b="1" i="0" u="none" strike="noStrike" kern="1200" cap="none" spc="0" normalizeH="0" baseline="0" noProof="0" dirty="0">
@@ -9941,45 +11046,8 @@
                 <a:ea typeface="맑은 고딕" panose="020B0503020000020004" pitchFamily="50" charset="-127"/>
                 <a:cs typeface="+mn-cs"/>
               </a:rPr>
-              <a:t> , Frequency - </a:t>
-            </a:r>
-            <a:r>
-              <a:rPr kumimoji="0" lang="en-US" altLang="ko-KR" sz="1800" b="1" i="0" u="none" strike="noStrike" kern="1200" cap="none" spc="0" normalizeH="0" baseline="0" noProof="0" dirty="0" err="1">
-                <a:ln>
-                  <a:noFill/>
-                </a:ln>
-                <a:solidFill>
-                  <a:prstClr val="black">
-                    <a:lumMod val="65000"/>
-                    <a:lumOff val="35000"/>
-                  </a:prstClr>
-                </a:solidFill>
-                <a:effectLst/>
-                <a:uLnTx/>
-                <a:uFillTx/>
-                <a:latin typeface="맑은 고딕" panose="020F0302020204030204"/>
-                <a:ea typeface="맑은 고딕" panose="020B0503020000020004" pitchFamily="50" charset="-127"/>
-                <a:cs typeface="+mn-cs"/>
-              </a:rPr>
-              <a:t>Src</a:t>
-            </a:r>
-            <a:endParaRPr kumimoji="0" lang="en-US" altLang="ko-KR" sz="1800" b="1" i="0" u="none" strike="noStrike" kern="1200" cap="none" spc="0" normalizeH="0" baseline="0" noProof="0" dirty="0">
-              <a:ln>
-                <a:noFill/>
-              </a:ln>
-              <a:solidFill>
-                <a:prstClr val="black">
-                  <a:lumMod val="65000"/>
-                  <a:lumOff val="35000"/>
-                </a:prstClr>
-              </a:solidFill>
-              <a:effectLst/>
-              <a:uLnTx/>
-              <a:uFillTx/>
-              <a:latin typeface="맑은 고딕" panose="020F0302020204030204"/>
-              <a:ea typeface="맑은 고딕" panose="020B0503020000020004" pitchFamily="50" charset="-127"/>
-              <a:cs typeface="+mn-cs"/>
-            </a:endParaRPr>
+              <a:t> file with positive &amp; negative file </a:t>
+            </a:r>
           </a:p>
           <a:p>
             <a:pPr marL="342900" marR="0" lvl="0" indent="-342900" algn="l" defTabSz="914400" rtl="0" eaLnBrk="1" fontAlgn="auto" latinLnBrk="1" hangingPunct="1">
@@ -10017,7 +11085,7 @@
                 <a:ea typeface="맑은 고딕" panose="020B0503020000020004" pitchFamily="50" charset="-127"/>
                 <a:cs typeface="+mn-cs"/>
               </a:rPr>
-              <a:t>Save file with txt </a:t>
+              <a:t>Save Result file as txt ( for excel chart) </a:t>
             </a:r>
           </a:p>
         </p:txBody>
@@ -10037,20 +11105,59 @@
           <p:nvPr/>
         </p:nvPicPr>
         <p:blipFill>
-          <a:blip r:embed="rId2">
-            <a:extLst>
-              <a:ext uri="{28A0092B-C50C-407E-A947-70E740481C1C}">
-                <a14:useLocalDpi xmlns:a14="http://schemas.microsoft.com/office/drawing/2010/main" val="0"/>
-              </a:ext>
-            </a:extLst>
-          </a:blip>
-          <a:srcRect/>
-          <a:stretch/>
+          <a:blip r:embed="rId2"/>
+          <a:stretch>
+            <a:fillRect/>
+          </a:stretch>
         </p:blipFill>
         <p:spPr>
           <a:xfrm>
-            <a:off x="1491163" y="1288738"/>
-            <a:ext cx="9209673" cy="4051025"/>
+            <a:off x="1735014" y="1203864"/>
+            <a:ext cx="5182788" cy="3552980"/>
+          </a:xfrm>
+          <a:prstGeom prst="rect">
+            <a:avLst/>
+          </a:prstGeom>
+          <a:ln w="38100" cap="sq">
+            <a:solidFill>
+              <a:srgbClr val="000000"/>
+            </a:solidFill>
+            <a:prstDash val="solid"/>
+            <a:miter lim="800000"/>
+          </a:ln>
+          <a:effectLst>
+            <a:outerShdw blurRad="50800" dist="38100" dir="2700000" algn="tl" rotWithShape="0">
+              <a:srgbClr val="000000">
+                <a:alpha val="43000"/>
+              </a:srgbClr>
+            </a:outerShdw>
+          </a:effectLst>
+        </p:spPr>
+      </p:pic>
+      <p:pic>
+        <p:nvPicPr>
+          <p:cNvPr id="5" name="그림 4">
+            <a:extLst>
+              <a:ext uri="{FF2B5EF4-FFF2-40B4-BE49-F238E27FC236}">
+                <a16:creationId xmlns:a16="http://schemas.microsoft.com/office/drawing/2014/main" id="{6C921C43-9220-44FD-9447-A6B231BFCB01}"/>
+              </a:ext>
+            </a:extLst>
+          </p:cNvPr>
+          <p:cNvPicPr>
+            <a:picLocks noChangeAspect="1"/>
+          </p:cNvPicPr>
+          <p:nvPr/>
+        </p:nvPicPr>
+        <p:blipFill>
+          <a:blip r:embed="rId3"/>
+          <a:stretch>
+            <a:fillRect/>
+          </a:stretch>
+        </p:blipFill>
+        <p:spPr>
+          <a:xfrm>
+            <a:off x="7136934" y="1203863"/>
+            <a:ext cx="3988674" cy="5647600"/>
           </a:xfrm>
           <a:prstGeom prst="rect">
             <a:avLst/>
@@ -10074,7 +11181,7 @@
     </p:spTree>
     <p:extLst>
       <p:ext uri="{BB962C8B-B14F-4D97-AF65-F5344CB8AC3E}">
-        <p14:creationId xmlns:p14="http://schemas.microsoft.com/office/powerpoint/2010/main" val="4142314742"/>
+        <p14:creationId xmlns:p14="http://schemas.microsoft.com/office/powerpoint/2010/main" val="1929156754"/>
       </p:ext>
     </p:extLst>
   </p:cSld>
@@ -10109,9 +11216,200 @@
           <a:chExt cx="0" cy="0"/>
         </a:xfrm>
       </p:grpSpPr>
+      <p:sp>
+        <p:nvSpPr>
+          <p:cNvPr id="52" name="직각 삼각형 51"/>
+          <p:cNvSpPr/>
+          <p:nvPr/>
+        </p:nvSpPr>
+        <p:spPr>
+          <a:xfrm rot="5400000">
+            <a:off x="3795260" y="5186662"/>
+            <a:ext cx="827313" cy="1088571"/>
+          </a:xfrm>
+          <a:prstGeom prst="rtTriangle">
+            <a:avLst/>
+          </a:prstGeom>
+          <a:solidFill>
+            <a:srgbClr val="EEDAC1"/>
+          </a:solidFill>
+          <a:ln>
+            <a:noFill/>
+          </a:ln>
+        </p:spPr>
+        <p:style>
+          <a:lnRef idx="2">
+            <a:schemeClr val="accent1">
+              <a:shade val="50000"/>
+            </a:schemeClr>
+          </a:lnRef>
+          <a:fillRef idx="1">
+            <a:schemeClr val="accent1"/>
+          </a:fillRef>
+          <a:effectRef idx="0">
+            <a:schemeClr val="accent1"/>
+          </a:effectRef>
+          <a:fontRef idx="minor">
+            <a:schemeClr val="lt1"/>
+          </a:fontRef>
+        </p:style>
+        <p:txBody>
+          <a:bodyPr rtlCol="0" anchor="ctr"/>
+          <a:lstStyle/>
+          <a:p>
+            <a:pPr marL="0" marR="0" lvl="0" indent="0" algn="ctr" defTabSz="914400" rtl="0" eaLnBrk="1" fontAlgn="auto" latinLnBrk="1" hangingPunct="1">
+              <a:lnSpc>
+                <a:spcPct val="100000"/>
+              </a:lnSpc>
+              <a:spcBef>
+                <a:spcPts val="0"/>
+              </a:spcBef>
+              <a:spcAft>
+                <a:spcPts val="0"/>
+              </a:spcAft>
+              <a:buClrTx/>
+              <a:buSzTx/>
+              <a:buFontTx/>
+              <a:buNone/>
+              <a:tabLst/>
+              <a:defRPr/>
+            </a:pPr>
+            <a:endParaRPr kumimoji="0" lang="ko-KR" altLang="en-US" sz="1800" b="0" i="0" u="none" strike="noStrike" kern="1200" cap="none" spc="0" normalizeH="0" baseline="0" noProof="0">
+              <a:ln>
+                <a:noFill/>
+              </a:ln>
+              <a:solidFill>
+                <a:prstClr val="white"/>
+              </a:solidFill>
+              <a:effectLst/>
+              <a:uLnTx/>
+              <a:uFillTx/>
+              <a:latin typeface="맑은 고딕" panose="020F0502020204030204"/>
+              <a:ea typeface="맑은 고딕" panose="020B0503020000020004" pitchFamily="50" charset="-127"/>
+              <a:cs typeface="+mn-cs"/>
+            </a:endParaRPr>
+          </a:p>
+        </p:txBody>
+      </p:sp>
+      <p:sp>
+        <p:nvSpPr>
+          <p:cNvPr id="53" name="직각 삼각형 52"/>
+          <p:cNvSpPr/>
+          <p:nvPr/>
+        </p:nvSpPr>
+        <p:spPr>
+          <a:xfrm rot="5400000">
+            <a:off x="7601632" y="1957153"/>
+            <a:ext cx="834571" cy="1088571"/>
+          </a:xfrm>
+          <a:prstGeom prst="rtTriangle">
+            <a:avLst/>
+          </a:prstGeom>
+          <a:solidFill>
+            <a:srgbClr val="EEDAC1"/>
+          </a:solidFill>
+          <a:ln>
+            <a:noFill/>
+          </a:ln>
+        </p:spPr>
+        <p:style>
+          <a:lnRef idx="2">
+            <a:schemeClr val="accent1">
+              <a:shade val="50000"/>
+            </a:schemeClr>
+          </a:lnRef>
+          <a:fillRef idx="1">
+            <a:schemeClr val="accent1"/>
+          </a:fillRef>
+          <a:effectRef idx="0">
+            <a:schemeClr val="accent1"/>
+          </a:effectRef>
+          <a:fontRef idx="minor">
+            <a:schemeClr val="lt1"/>
+          </a:fontRef>
+        </p:style>
+        <p:txBody>
+          <a:bodyPr rtlCol="0" anchor="ctr"/>
+          <a:lstStyle/>
+          <a:p>
+            <a:pPr marL="0" marR="0" lvl="0" indent="0" algn="ctr" defTabSz="914400" rtl="0" eaLnBrk="1" fontAlgn="auto" latinLnBrk="1" hangingPunct="1">
+              <a:lnSpc>
+                <a:spcPct val="100000"/>
+              </a:lnSpc>
+              <a:spcBef>
+                <a:spcPts val="0"/>
+              </a:spcBef>
+              <a:spcAft>
+                <a:spcPts val="0"/>
+              </a:spcAft>
+              <a:buClrTx/>
+              <a:buSzTx/>
+              <a:buFontTx/>
+              <a:buNone/>
+              <a:tabLst/>
+              <a:defRPr/>
+            </a:pPr>
+            <a:endParaRPr kumimoji="0" lang="ko-KR" altLang="en-US" sz="1800" b="0" i="0" u="none" strike="noStrike" kern="1200" cap="none" spc="0" normalizeH="0" baseline="0" noProof="0">
+              <a:ln>
+                <a:noFill/>
+              </a:ln>
+              <a:solidFill>
+                <a:prstClr val="white"/>
+              </a:solidFill>
+              <a:effectLst/>
+              <a:uLnTx/>
+              <a:uFillTx/>
+              <a:latin typeface="맑은 고딕" panose="020F0502020204030204"/>
+              <a:ea typeface="맑은 고딕" panose="020B0503020000020004" pitchFamily="50" charset="-127"/>
+              <a:cs typeface="+mn-cs"/>
+            </a:endParaRPr>
+          </a:p>
+        </p:txBody>
+      </p:sp>
+      <p:pic>
+        <p:nvPicPr>
+          <p:cNvPr id="3" name="그림 2">
+            <a:extLst>
+              <a:ext uri="{FF2B5EF4-FFF2-40B4-BE49-F238E27FC236}">
+                <a16:creationId xmlns:a16="http://schemas.microsoft.com/office/drawing/2014/main" id="{90F1B4A7-6DEE-4732-AA42-53774F1FF7AD}"/>
+              </a:ext>
+            </a:extLst>
+          </p:cNvPr>
+          <p:cNvPicPr>
+            <a:picLocks noChangeAspect="1"/>
+          </p:cNvPicPr>
+          <p:nvPr/>
+        </p:nvPicPr>
+        <p:blipFill rotWithShape="1">
+          <a:blip r:embed="rId2">
+            <a:extLst>
+              <a:ext uri="{28A0092B-C50C-407E-A947-70E740481C1C}">
+                <a14:useLocalDpi xmlns:a14="http://schemas.microsoft.com/office/drawing/2010/main" val="0"/>
+              </a:ext>
+            </a:extLst>
+          </a:blip>
+          <a:srcRect/>
+          <a:stretch/>
+        </p:blipFill>
+        <p:spPr>
+          <a:xfrm>
+            <a:off x="1035254" y="1468184"/>
+            <a:ext cx="1725869" cy="5030588"/>
+          </a:xfrm>
+          <a:prstGeom prst="rect">
+            <a:avLst/>
+          </a:prstGeom>
+        </p:spPr>
+      </p:pic>
       <p:cxnSp>
         <p:nvCxnSpPr>
-          <p:cNvPr id="17" name="직선 연결선 16"/>
+          <p:cNvPr id="11" name="직선 연결선 10">
+            <a:extLst>
+              <a:ext uri="{FF2B5EF4-FFF2-40B4-BE49-F238E27FC236}">
+                <a16:creationId xmlns:a16="http://schemas.microsoft.com/office/drawing/2014/main" id="{7D3FC1E8-010B-4456-9C6E-E1D08E31B38B}"/>
+              </a:ext>
+            </a:extLst>
+          </p:cNvPr>
           <p:cNvCxnSpPr/>
           <p:nvPr/>
         </p:nvCxnSpPr>
@@ -10146,10 +11444,10 @@
       </p:cxnSp>
       <p:sp>
         <p:nvSpPr>
-          <p:cNvPr id="20" name="직사각형 19">
+          <p:cNvPr id="12" name="직사각형 11">
             <a:extLst>
               <a:ext uri="{FF2B5EF4-FFF2-40B4-BE49-F238E27FC236}">
-                <a16:creationId xmlns:a16="http://schemas.microsoft.com/office/drawing/2014/main" id="{01E8A2C5-9BB0-4BB8-BB8E-257FF392DA2E}"/>
+                <a16:creationId xmlns:a16="http://schemas.microsoft.com/office/drawing/2014/main" id="{8BB54374-0279-4C26-9121-D4D9BFD3A5E0}"/>
               </a:ext>
             </a:extLst>
           </p:cNvPr>
@@ -10158,8 +11456,8 @@
         </p:nvSpPr>
         <p:spPr>
           <a:xfrm>
-            <a:off x="2433190" y="0"/>
-            <a:ext cx="7428510" cy="977127"/>
+            <a:off x="2115155" y="101972"/>
+            <a:ext cx="7961689" cy="816249"/>
           </a:xfrm>
           <a:prstGeom prst="rect">
             <a:avLst/>
@@ -10171,25 +11469,25 @@
           </a:bodyPr>
           <a:lstStyle/>
           <a:p>
-            <a:pPr marL="0" marR="0" lvl="0" indent="0" algn="ctr" defTabSz="914400" rtl="0" eaLnBrk="1" fontAlgn="auto" latinLnBrk="0" hangingPunct="1">
+            <a:pPr lvl="0" algn="ctr" latinLnBrk="0">
               <a:lnSpc>
                 <a:spcPct val="150000"/>
               </a:lnSpc>
-              <a:spcBef>
-                <a:spcPts val="0"/>
-              </a:spcBef>
-              <a:spcAft>
-                <a:spcPts val="0"/>
-              </a:spcAft>
-              <a:buClrTx/>
-              <a:buSzTx/>
-              <a:buFontTx/>
-              <a:buNone/>
-              <a:tabLst/>
               <a:defRPr/>
             </a:pPr>
             <a:r>
-              <a:rPr kumimoji="0" lang="en-US" altLang="ko-KR" sz="4400" b="1" i="0" u="none" strike="noStrike" kern="0" cap="none" spc="0" normalizeH="0" baseline="0" noProof="0" dirty="0">
+              <a:rPr lang="en-US" altLang="ko-KR" sz="3600" b="1" kern="0" dirty="0">
+                <a:solidFill>
+                  <a:prstClr val="black">
+                    <a:lumMod val="65000"/>
+                    <a:lumOff val="35000"/>
+                  </a:prstClr>
+                </a:solidFill>
+              </a:rPr>
+              <a:t>Classification </a:t>
+            </a:r>
+            <a:r>
+              <a:rPr kumimoji="0" lang="en-US" altLang="ko-KR" sz="3600" b="1" i="0" u="none" strike="noStrike" kern="0" cap="none" spc="0" normalizeH="0" baseline="0" noProof="0" dirty="0">
                 <a:ln>
                   <a:noFill/>
                 </a:ln>
@@ -10206,17 +11504,34 @@
                 <a:ea typeface="맑은 고딕" panose="020B0503020000020004" pitchFamily="50" charset="-127"/>
                 <a:cs typeface="+mn-cs"/>
               </a:rPr>
-              <a:t>Data Chart – Positive word</a:t>
-            </a:r>
+              <a:t>result </a:t>
+            </a:r>
+            <a:endParaRPr kumimoji="0" lang="en-US" altLang="ko-KR" sz="4400" b="1" i="0" u="none" strike="noStrike" kern="0" cap="none" spc="0" normalizeH="0" baseline="0" noProof="0" dirty="0">
+              <a:ln>
+                <a:noFill/>
+              </a:ln>
+              <a:solidFill>
+                <a:prstClr val="black">
+                  <a:lumMod val="65000"/>
+                  <a:lumOff val="35000"/>
+                </a:prstClr>
+              </a:solidFill>
+              <a:effectLst/>
+              <a:uLnTx/>
+              <a:uFillTx/>
+              <a:latin typeface="맑은 고딕" panose="020F0502020204030204"/>
+              <a:ea typeface="맑은 고딕" panose="020B0503020000020004" pitchFamily="50" charset="-127"/>
+              <a:cs typeface="+mn-cs"/>
+            </a:endParaRPr>
           </a:p>
         </p:txBody>
       </p:sp>
       <p:pic>
         <p:nvPicPr>
-          <p:cNvPr id="3" name="그림 2">
+          <p:cNvPr id="8" name="그림 7">
             <a:extLst>
               <a:ext uri="{FF2B5EF4-FFF2-40B4-BE49-F238E27FC236}">
-                <a16:creationId xmlns:a16="http://schemas.microsoft.com/office/drawing/2014/main" id="{A18CE14F-1788-446B-9E52-2C9109D7194B}"/>
+                <a16:creationId xmlns:a16="http://schemas.microsoft.com/office/drawing/2014/main" id="{09C25454-9D0B-4703-9C34-E91508B33011}"/>
               </a:ext>
             </a:extLst>
           </p:cNvPr>
@@ -10225,16 +11540,91 @@
           </p:cNvPicPr>
           <p:nvPr/>
         </p:nvPicPr>
-        <p:blipFill>
-          <a:blip r:embed="rId2"/>
-          <a:stretch>
-            <a:fillRect/>
-          </a:stretch>
+        <p:blipFill rotWithShape="1">
+          <a:blip r:embed="rId3">
+            <a:extLst>
+              <a:ext uri="{28A0092B-C50C-407E-A947-70E740481C1C}">
+                <a14:useLocalDpi xmlns:a14="http://schemas.microsoft.com/office/drawing/2010/main" val="0"/>
+              </a:ext>
+            </a:extLst>
+          </a:blip>
+          <a:srcRect/>
+          <a:stretch/>
         </p:blipFill>
         <p:spPr>
           <a:xfrm>
-            <a:off x="419757" y="1132932"/>
-            <a:ext cx="11455377" cy="5474682"/>
+            <a:off x="3349941" y="1468184"/>
+            <a:ext cx="1710910" cy="5030588"/>
+          </a:xfrm>
+          <a:prstGeom prst="rect">
+            <a:avLst/>
+          </a:prstGeom>
+        </p:spPr>
+      </p:pic>
+      <p:pic>
+        <p:nvPicPr>
+          <p:cNvPr id="9" name="그림 8">
+            <a:extLst>
+              <a:ext uri="{FF2B5EF4-FFF2-40B4-BE49-F238E27FC236}">
+                <a16:creationId xmlns:a16="http://schemas.microsoft.com/office/drawing/2014/main" id="{B059FE38-776B-4796-ACAD-C1BC0BAC568A}"/>
+              </a:ext>
+            </a:extLst>
+          </p:cNvPr>
+          <p:cNvPicPr>
+            <a:picLocks noChangeAspect="1"/>
+          </p:cNvPicPr>
+          <p:nvPr/>
+        </p:nvPicPr>
+        <p:blipFill rotWithShape="1">
+          <a:blip r:embed="rId4">
+            <a:extLst>
+              <a:ext uri="{28A0092B-C50C-407E-A947-70E740481C1C}">
+                <a14:useLocalDpi xmlns:a14="http://schemas.microsoft.com/office/drawing/2010/main" val="0"/>
+              </a:ext>
+            </a:extLst>
+          </a:blip>
+          <a:srcRect/>
+          <a:stretch/>
+        </p:blipFill>
+        <p:spPr>
+          <a:xfrm>
+            <a:off x="7144962" y="1468184"/>
+            <a:ext cx="1683287" cy="5030588"/>
+          </a:xfrm>
+          <a:prstGeom prst="rect">
+            <a:avLst/>
+          </a:prstGeom>
+        </p:spPr>
+      </p:pic>
+      <p:pic>
+        <p:nvPicPr>
+          <p:cNvPr id="10" name="그림 9">
+            <a:extLst>
+              <a:ext uri="{FF2B5EF4-FFF2-40B4-BE49-F238E27FC236}">
+                <a16:creationId xmlns:a16="http://schemas.microsoft.com/office/drawing/2014/main" id="{2EA03693-8605-4747-9162-95FCF824ED96}"/>
+              </a:ext>
+            </a:extLst>
+          </p:cNvPr>
+          <p:cNvPicPr>
+            <a:picLocks noChangeAspect="1"/>
+          </p:cNvPicPr>
+          <p:nvPr/>
+        </p:nvPicPr>
+        <p:blipFill rotWithShape="1">
+          <a:blip r:embed="rId5">
+            <a:extLst>
+              <a:ext uri="{28A0092B-C50C-407E-A947-70E740481C1C}">
+                <a14:useLocalDpi xmlns:a14="http://schemas.microsoft.com/office/drawing/2010/main" val="0"/>
+              </a:ext>
+            </a:extLst>
+          </a:blip>
+          <a:srcRect/>
+          <a:stretch/>
+        </p:blipFill>
+        <p:spPr>
+          <a:xfrm>
+            <a:off x="9560956" y="1468184"/>
+            <a:ext cx="1623595" cy="5030588"/>
           </a:xfrm>
           <a:prstGeom prst="rect">
             <a:avLst/>
@@ -10244,7 +11634,7 @@
     </p:spTree>
     <p:extLst>
       <p:ext uri="{BB962C8B-B14F-4D97-AF65-F5344CB8AC3E}">
-        <p14:creationId xmlns:p14="http://schemas.microsoft.com/office/powerpoint/2010/main" val="1280795313"/>
+        <p14:creationId xmlns:p14="http://schemas.microsoft.com/office/powerpoint/2010/main" val="532815018"/>
       </p:ext>
     </p:extLst>
   </p:cSld>
@@ -10316,10 +11706,160 @@
       </p:cxnSp>
       <p:sp>
         <p:nvSpPr>
-          <p:cNvPr id="20" name="직사각형 19">
+          <p:cNvPr id="52" name="직각 삼각형 51"/>
+          <p:cNvSpPr/>
+          <p:nvPr/>
+        </p:nvSpPr>
+        <p:spPr>
+          <a:xfrm rot="5400000">
+            <a:off x="3795260" y="5186662"/>
+            <a:ext cx="827313" cy="1088571"/>
+          </a:xfrm>
+          <a:prstGeom prst="rtTriangle">
+            <a:avLst/>
+          </a:prstGeom>
+          <a:solidFill>
+            <a:srgbClr val="EEDAC1"/>
+          </a:solidFill>
+          <a:ln>
+            <a:noFill/>
+          </a:ln>
+        </p:spPr>
+        <p:style>
+          <a:lnRef idx="2">
+            <a:schemeClr val="accent1">
+              <a:shade val="50000"/>
+            </a:schemeClr>
+          </a:lnRef>
+          <a:fillRef idx="1">
+            <a:schemeClr val="accent1"/>
+          </a:fillRef>
+          <a:effectRef idx="0">
+            <a:schemeClr val="accent1"/>
+          </a:effectRef>
+          <a:fontRef idx="minor">
+            <a:schemeClr val="lt1"/>
+          </a:fontRef>
+        </p:style>
+        <p:txBody>
+          <a:bodyPr rtlCol="0" anchor="ctr"/>
+          <a:lstStyle/>
+          <a:p>
+            <a:pPr marL="0" marR="0" lvl="0" indent="0" algn="ctr" defTabSz="914400" rtl="0" eaLnBrk="1" fontAlgn="auto" latinLnBrk="1" hangingPunct="1">
+              <a:lnSpc>
+                <a:spcPct val="100000"/>
+              </a:lnSpc>
+              <a:spcBef>
+                <a:spcPts val="0"/>
+              </a:spcBef>
+              <a:spcAft>
+                <a:spcPts val="0"/>
+              </a:spcAft>
+              <a:buClrTx/>
+              <a:buSzTx/>
+              <a:buFontTx/>
+              <a:buNone/>
+              <a:tabLst/>
+              <a:defRPr/>
+            </a:pPr>
+            <a:endParaRPr kumimoji="0" lang="ko-KR" altLang="en-US" sz="1800" b="0" i="0" u="none" strike="noStrike" kern="1200" cap="none" spc="0" normalizeH="0" baseline="0" noProof="0">
+              <a:ln>
+                <a:noFill/>
+              </a:ln>
+              <a:solidFill>
+                <a:prstClr val="white"/>
+              </a:solidFill>
+              <a:effectLst/>
+              <a:uLnTx/>
+              <a:uFillTx/>
+              <a:latin typeface="맑은 고딕" panose="020F0502020204030204"/>
+              <a:ea typeface="맑은 고딕" panose="020B0503020000020004" pitchFamily="50" charset="-127"/>
+              <a:cs typeface="+mn-cs"/>
+            </a:endParaRPr>
+          </a:p>
+        </p:txBody>
+      </p:sp>
+      <p:sp>
+        <p:nvSpPr>
+          <p:cNvPr id="53" name="직각 삼각형 52"/>
+          <p:cNvSpPr/>
+          <p:nvPr/>
+        </p:nvSpPr>
+        <p:spPr>
+          <a:xfrm rot="5400000">
+            <a:off x="7601632" y="1957153"/>
+            <a:ext cx="834571" cy="1088571"/>
+          </a:xfrm>
+          <a:prstGeom prst="rtTriangle">
+            <a:avLst/>
+          </a:prstGeom>
+          <a:solidFill>
+            <a:srgbClr val="EEDAC1"/>
+          </a:solidFill>
+          <a:ln>
+            <a:noFill/>
+          </a:ln>
+        </p:spPr>
+        <p:style>
+          <a:lnRef idx="2">
+            <a:schemeClr val="accent1">
+              <a:shade val="50000"/>
+            </a:schemeClr>
+          </a:lnRef>
+          <a:fillRef idx="1">
+            <a:schemeClr val="accent1"/>
+          </a:fillRef>
+          <a:effectRef idx="0">
+            <a:schemeClr val="accent1"/>
+          </a:effectRef>
+          <a:fontRef idx="minor">
+            <a:schemeClr val="lt1"/>
+          </a:fontRef>
+        </p:style>
+        <p:txBody>
+          <a:bodyPr rtlCol="0" anchor="ctr"/>
+          <a:lstStyle/>
+          <a:p>
+            <a:pPr marL="0" marR="0" lvl="0" indent="0" algn="ctr" defTabSz="914400" rtl="0" eaLnBrk="1" fontAlgn="auto" latinLnBrk="1" hangingPunct="1">
+              <a:lnSpc>
+                <a:spcPct val="100000"/>
+              </a:lnSpc>
+              <a:spcBef>
+                <a:spcPts val="0"/>
+              </a:spcBef>
+              <a:spcAft>
+                <a:spcPts val="0"/>
+              </a:spcAft>
+              <a:buClrTx/>
+              <a:buSzTx/>
+              <a:buFontTx/>
+              <a:buNone/>
+              <a:tabLst/>
+              <a:defRPr/>
+            </a:pPr>
+            <a:endParaRPr kumimoji="0" lang="ko-KR" altLang="en-US" sz="1800" b="0" i="0" u="none" strike="noStrike" kern="1200" cap="none" spc="0" normalizeH="0" baseline="0" noProof="0">
+              <a:ln>
+                <a:noFill/>
+              </a:ln>
+              <a:solidFill>
+                <a:prstClr val="white"/>
+              </a:solidFill>
+              <a:effectLst/>
+              <a:uLnTx/>
+              <a:uFillTx/>
+              <a:latin typeface="맑은 고딕" panose="020F0502020204030204"/>
+              <a:ea typeface="맑은 고딕" panose="020B0503020000020004" pitchFamily="50" charset="-127"/>
+              <a:cs typeface="+mn-cs"/>
+            </a:endParaRPr>
+          </a:p>
+        </p:txBody>
+      </p:sp>
+      <p:sp>
+        <p:nvSpPr>
+          <p:cNvPr id="16" name="직사각형 15">
             <a:extLst>
               <a:ext uri="{FF2B5EF4-FFF2-40B4-BE49-F238E27FC236}">
-                <a16:creationId xmlns:a16="http://schemas.microsoft.com/office/drawing/2014/main" id="{01E8A2C5-9BB0-4BB8-BB8E-257FF392DA2E}"/>
+                <a16:creationId xmlns:a16="http://schemas.microsoft.com/office/drawing/2014/main" id="{AC8634B5-7ECD-47FD-BD2F-FB2A3CA0002C}"/>
               </a:ext>
             </a:extLst>
           </p:cNvPr>
@@ -10328,8 +11868,8 @@
         </p:nvSpPr>
         <p:spPr>
           <a:xfrm>
-            <a:off x="2242848" y="0"/>
-            <a:ext cx="7706302" cy="977127"/>
+            <a:off x="2310092" y="-86097"/>
+            <a:ext cx="7571814" cy="977127"/>
           </a:xfrm>
           <a:prstGeom prst="rect">
             <a:avLst/>
@@ -10341,32 +11881,324 @@
           </a:bodyPr>
           <a:lstStyle/>
           <a:p>
-            <a:pPr lvl="0" algn="ctr" latinLnBrk="0">
+            <a:pPr marL="0" marR="0" lvl="0" indent="0" algn="ctr" defTabSz="914400" rtl="0" eaLnBrk="1" fontAlgn="auto" latinLnBrk="0" hangingPunct="1">
               <a:lnSpc>
                 <a:spcPct val="150000"/>
               </a:lnSpc>
+              <a:spcBef>
+                <a:spcPts val="0"/>
+              </a:spcBef>
+              <a:spcAft>
+                <a:spcPts val="0"/>
+              </a:spcAft>
+              <a:buClrTx/>
+              <a:buSzTx/>
+              <a:buFontTx/>
+              <a:buNone/>
+              <a:tabLst/>
               <a:defRPr/>
             </a:pPr>
             <a:r>
-              <a:rPr lang="en-US" altLang="ko-KR" sz="4400" b="1" kern="0" dirty="0">
+              <a:rPr kumimoji="0" lang="en-US" altLang="ko-KR" sz="4400" b="1" i="0" u="none" strike="noStrike" kern="0" cap="none" spc="0" normalizeH="0" baseline="0" noProof="0" dirty="0">
+                <a:ln>
+                  <a:noFill/>
+                </a:ln>
                 <a:solidFill>
                   <a:prstClr val="black">
                     <a:lumMod val="65000"/>
                     <a:lumOff val="35000"/>
                   </a:prstClr>
                 </a:solidFill>
+                <a:effectLst/>
+                <a:uLnTx/>
+                <a:uFillTx/>
+                <a:latin typeface="맑은 고딕" panose="020F0502020204030204"/>
+                <a:ea typeface="맑은 고딕" panose="020B0503020000020004" pitchFamily="50" charset="-127"/>
+                <a:cs typeface="+mn-cs"/>
               </a:rPr>
-              <a:t>Data Chart – Positive word</a:t>
+              <a:t>Coding 3 </a:t>
+            </a:r>
+            <a:r>
+              <a:rPr kumimoji="0" lang="en-US" altLang="ko-KR" sz="3600" b="1" i="0" u="none" strike="noStrike" kern="0" cap="none" spc="0" normalizeH="0" baseline="0" noProof="0" dirty="0">
+                <a:ln>
+                  <a:noFill/>
+                </a:ln>
+                <a:solidFill>
+                  <a:prstClr val="black">
+                    <a:lumMod val="65000"/>
+                    <a:lumOff val="35000"/>
+                  </a:prstClr>
+                </a:solidFill>
+                <a:effectLst/>
+                <a:uLnTx/>
+                <a:uFillTx/>
+                <a:latin typeface="맑은 고딕" panose="020F0502020204030204"/>
+                <a:ea typeface="맑은 고딕" panose="020B0503020000020004" pitchFamily="50" charset="-127"/>
+                <a:cs typeface="+mn-cs"/>
+              </a:rPr>
+              <a:t>– Compare each text </a:t>
+            </a:r>
+            <a:endParaRPr kumimoji="0" lang="en-US" altLang="ko-KR" sz="4400" b="1" i="0" u="none" strike="noStrike" kern="0" cap="none" spc="0" normalizeH="0" baseline="0" noProof="0" dirty="0">
+              <a:ln>
+                <a:noFill/>
+              </a:ln>
+              <a:solidFill>
+                <a:prstClr val="black">
+                  <a:lumMod val="65000"/>
+                  <a:lumOff val="35000"/>
+                </a:prstClr>
+              </a:solidFill>
+              <a:effectLst/>
+              <a:uLnTx/>
+              <a:uFillTx/>
+              <a:latin typeface="맑은 고딕" panose="020F0502020204030204"/>
+              <a:ea typeface="맑은 고딕" panose="020B0503020000020004" pitchFamily="50" charset="-127"/>
+              <a:cs typeface="+mn-cs"/>
+            </a:endParaRPr>
+          </a:p>
+        </p:txBody>
+      </p:sp>
+      <p:sp>
+        <p:nvSpPr>
+          <p:cNvPr id="19" name="직사각형 18">
+            <a:extLst>
+              <a:ext uri="{FF2B5EF4-FFF2-40B4-BE49-F238E27FC236}">
+                <a16:creationId xmlns:a16="http://schemas.microsoft.com/office/drawing/2014/main" id="{8A8AEBDE-EA47-4F0C-9327-5159C0184192}"/>
+              </a:ext>
+            </a:extLst>
+          </p:cNvPr>
+          <p:cNvSpPr/>
+          <p:nvPr/>
+        </p:nvSpPr>
+        <p:spPr>
+          <a:xfrm>
+            <a:off x="1491163" y="5339763"/>
+            <a:ext cx="7571814" cy="1285288"/>
+          </a:xfrm>
+          <a:prstGeom prst="rect">
+            <a:avLst/>
+          </a:prstGeom>
+        </p:spPr>
+        <p:txBody>
+          <a:bodyPr wrap="square">
+            <a:spAutoFit/>
+          </a:bodyPr>
+          <a:lstStyle/>
+          <a:p>
+            <a:pPr marL="342900" marR="0" lvl="0" indent="-342900" algn="l" defTabSz="914400" rtl="0" eaLnBrk="1" fontAlgn="auto" latinLnBrk="1" hangingPunct="1">
+              <a:lnSpc>
+                <a:spcPct val="150000"/>
+              </a:lnSpc>
+              <a:spcBef>
+                <a:spcPts val="0"/>
+              </a:spcBef>
+              <a:spcAft>
+                <a:spcPts val="0"/>
+              </a:spcAft>
+              <a:buClrTx/>
+              <a:buSzTx/>
+              <a:buFontTx/>
+              <a:buAutoNum type="arabicPeriod"/>
+              <a:tabLst/>
+              <a:defRPr/>
+            </a:pPr>
+            <a:r>
+              <a:rPr kumimoji="0" lang="en-US" altLang="ko-KR" sz="1800" b="1" i="0" u="none" strike="noStrike" kern="1200" cap="none" spc="0" normalizeH="0" baseline="0" noProof="0" dirty="0">
+                <a:ln>
+                  <a:noFill/>
+                </a:ln>
+                <a:solidFill>
+                  <a:prstClr val="black">
+                    <a:lumMod val="65000"/>
+                    <a:lumOff val="35000"/>
+                  </a:prstClr>
+                </a:solidFill>
+                <a:effectLst/>
+                <a:uLnTx/>
+                <a:uFillTx/>
+                <a:latin typeface="맑은 고딕" panose="020F0302020204030204"/>
+                <a:ea typeface="맑은 고딕" panose="020B0503020000020004" pitchFamily="50" charset="-127"/>
+                <a:cs typeface="+mn-cs"/>
+              </a:rPr>
+              <a:t>Open each genre’s word compare dictionary file</a:t>
+            </a:r>
+          </a:p>
+          <a:p>
+            <a:pPr marL="342900" marR="0" lvl="0" indent="-342900" algn="l" defTabSz="914400" rtl="0" eaLnBrk="1" fontAlgn="auto" latinLnBrk="1" hangingPunct="1">
+              <a:lnSpc>
+                <a:spcPct val="150000"/>
+              </a:lnSpc>
+              <a:spcBef>
+                <a:spcPts val="0"/>
+              </a:spcBef>
+              <a:spcAft>
+                <a:spcPts val="0"/>
+              </a:spcAft>
+              <a:buClrTx/>
+              <a:buSzTx/>
+              <a:buFontTx/>
+              <a:buAutoNum type="arabicPeriod"/>
+              <a:tabLst/>
+              <a:defRPr/>
+            </a:pPr>
+            <a:r>
+              <a:rPr kumimoji="0" lang="en-US" altLang="ko-KR" sz="1800" b="1" i="0" u="none" strike="noStrike" kern="1200" cap="none" spc="0" normalizeH="0" baseline="0" noProof="0" dirty="0">
+                <a:ln>
+                  <a:noFill/>
+                </a:ln>
+                <a:solidFill>
+                  <a:prstClr val="black">
+                    <a:lumMod val="65000"/>
+                    <a:lumOff val="35000"/>
+                  </a:prstClr>
+                </a:solidFill>
+                <a:effectLst/>
+                <a:uLnTx/>
+                <a:uFillTx/>
+                <a:latin typeface="맑은 고딕" panose="020F0302020204030204"/>
+                <a:ea typeface="맑은 고딕" panose="020B0503020000020004" pitchFamily="50" charset="-127"/>
+                <a:cs typeface="+mn-cs"/>
+              </a:rPr>
+              <a:t>Compare each file – word, Frequency - </a:t>
+            </a:r>
+            <a:r>
+              <a:rPr lang="en-US" altLang="ko-KR" b="1" dirty="0">
+                <a:solidFill>
+                  <a:prstClr val="black">
+                    <a:lumMod val="65000"/>
+                    <a:lumOff val="35000"/>
+                  </a:prstClr>
+                </a:solidFill>
+                <a:latin typeface="맑은 고딕" panose="020F0302020204030204"/>
+                <a:ea typeface="맑은 고딕" panose="020B0503020000020004" pitchFamily="50" charset="-127"/>
+              </a:rPr>
+              <a:t>C</a:t>
+            </a:r>
+            <a:r>
+              <a:rPr kumimoji="0" lang="en-US" altLang="ko-KR" sz="1800" b="1" i="0" u="none" strike="noStrike" kern="1200" cap="none" spc="0" normalizeH="0" baseline="0" noProof="0" dirty="0" err="1">
+                <a:ln>
+                  <a:noFill/>
+                </a:ln>
+                <a:solidFill>
+                  <a:prstClr val="black">
+                    <a:lumMod val="65000"/>
+                    <a:lumOff val="35000"/>
+                  </a:prstClr>
+                </a:solidFill>
+                <a:effectLst/>
+                <a:uLnTx/>
+                <a:uFillTx/>
+                <a:latin typeface="맑은 고딕" panose="020F0302020204030204"/>
+                <a:ea typeface="맑은 고딕" panose="020B0503020000020004" pitchFamily="50" charset="-127"/>
+                <a:cs typeface="+mn-cs"/>
+              </a:rPr>
+              <a:t>mp</a:t>
+            </a:r>
+            <a:r>
+              <a:rPr kumimoji="0" lang="en-US" altLang="ko-KR" sz="1800" b="1" i="0" u="none" strike="noStrike" kern="1200" cap="none" spc="0" normalizeH="0" baseline="0" noProof="0" dirty="0">
+                <a:ln>
+                  <a:noFill/>
+                </a:ln>
+                <a:solidFill>
+                  <a:prstClr val="black">
+                    <a:lumMod val="65000"/>
+                    <a:lumOff val="35000"/>
+                  </a:prstClr>
+                </a:solidFill>
+                <a:effectLst/>
+                <a:uLnTx/>
+                <a:uFillTx/>
+                <a:latin typeface="맑은 고딕" panose="020F0302020204030204"/>
+                <a:ea typeface="맑은 고딕" panose="020B0503020000020004" pitchFamily="50" charset="-127"/>
+                <a:cs typeface="+mn-cs"/>
+              </a:rPr>
+              <a:t> , Frequency - </a:t>
+            </a:r>
+            <a:r>
+              <a:rPr kumimoji="0" lang="en-US" altLang="ko-KR" sz="1800" b="1" i="0" u="none" strike="noStrike" kern="1200" cap="none" spc="0" normalizeH="0" baseline="0" noProof="0" dirty="0" err="1">
+                <a:ln>
+                  <a:noFill/>
+                </a:ln>
+                <a:solidFill>
+                  <a:prstClr val="black">
+                    <a:lumMod val="65000"/>
+                    <a:lumOff val="35000"/>
+                  </a:prstClr>
+                </a:solidFill>
+                <a:effectLst/>
+                <a:uLnTx/>
+                <a:uFillTx/>
+                <a:latin typeface="맑은 고딕" panose="020F0302020204030204"/>
+                <a:ea typeface="맑은 고딕" panose="020B0503020000020004" pitchFamily="50" charset="-127"/>
+                <a:cs typeface="+mn-cs"/>
+              </a:rPr>
+              <a:t>Src</a:t>
+            </a:r>
+            <a:endParaRPr kumimoji="0" lang="en-US" altLang="ko-KR" sz="1800" b="1" i="0" u="none" strike="noStrike" kern="1200" cap="none" spc="0" normalizeH="0" baseline="0" noProof="0" dirty="0">
+              <a:ln>
+                <a:noFill/>
+              </a:ln>
+              <a:solidFill>
+                <a:prstClr val="black">
+                  <a:lumMod val="65000"/>
+                  <a:lumOff val="35000"/>
+                </a:prstClr>
+              </a:solidFill>
+              <a:effectLst/>
+              <a:uLnTx/>
+              <a:uFillTx/>
+              <a:latin typeface="맑은 고딕" panose="020F0302020204030204"/>
+              <a:ea typeface="맑은 고딕" panose="020B0503020000020004" pitchFamily="50" charset="-127"/>
+              <a:cs typeface="+mn-cs"/>
+            </a:endParaRPr>
+          </a:p>
+          <a:p>
+            <a:pPr marL="342900" marR="0" lvl="0" indent="-342900" algn="l" defTabSz="914400" rtl="0" eaLnBrk="1" fontAlgn="auto" latinLnBrk="1" hangingPunct="1">
+              <a:lnSpc>
+                <a:spcPct val="150000"/>
+              </a:lnSpc>
+              <a:spcBef>
+                <a:spcPts val="0"/>
+              </a:spcBef>
+              <a:spcAft>
+                <a:spcPts val="0"/>
+              </a:spcAft>
+              <a:buClrTx/>
+              <a:buSzTx/>
+              <a:buFontTx/>
+              <a:buAutoNum type="arabicPeriod"/>
+              <a:tabLst/>
+              <a:defRPr/>
+            </a:pPr>
+            <a:r>
+              <a:rPr kumimoji="0" lang="en-US" altLang="ko-KR" sz="1800" b="1" i="0" u="none" strike="noStrike" kern="1200" cap="none" spc="0" normalizeH="0" baseline="0" noProof="0" dirty="0">
+                <a:ln>
+                  <a:noFill/>
+                </a:ln>
+                <a:solidFill>
+                  <a:prstClr val="black">
+                    <a:lumMod val="65000"/>
+                    <a:lumOff val="35000"/>
+                  </a:prstClr>
+                </a:solidFill>
+                <a:effectLst/>
+                <a:uLnTx/>
+                <a:uFillTx/>
+                <a:latin typeface="맑은 고딕" panose="020F0302020204030204"/>
+                <a:ea typeface="맑은 고딕" panose="020B0503020000020004" pitchFamily="50" charset="-127"/>
+                <a:cs typeface="+mn-cs"/>
+              </a:rPr>
+              <a:t>Save file with txt </a:t>
             </a:r>
           </a:p>
         </p:txBody>
       </p:sp>
       <p:pic>
         <p:nvPicPr>
-          <p:cNvPr id="2" name="그림 1">
+          <p:cNvPr id="4" name="그림 3">
             <a:extLst>
               <a:ext uri="{FF2B5EF4-FFF2-40B4-BE49-F238E27FC236}">
-                <a16:creationId xmlns:a16="http://schemas.microsoft.com/office/drawing/2014/main" id="{AB7AE6C0-B55C-4DFC-8D11-FC03B856DB62}"/>
+                <a16:creationId xmlns:a16="http://schemas.microsoft.com/office/drawing/2014/main" id="{6C767516-578D-47D9-8AD4-209E0C0B7DF3}"/>
               </a:ext>
             </a:extLst>
           </p:cNvPr>
@@ -10376,25 +12208,44 @@
           <p:nvPr/>
         </p:nvPicPr>
         <p:blipFill>
-          <a:blip r:embed="rId2"/>
-          <a:stretch>
-            <a:fillRect/>
-          </a:stretch>
+          <a:blip r:embed="rId2">
+            <a:extLst>
+              <a:ext uri="{28A0092B-C50C-407E-A947-70E740481C1C}">
+                <a14:useLocalDpi xmlns:a14="http://schemas.microsoft.com/office/drawing/2010/main" val="0"/>
+              </a:ext>
+            </a:extLst>
+          </a:blip>
+          <a:srcRect/>
+          <a:stretch/>
         </p:blipFill>
         <p:spPr>
           <a:xfrm>
-            <a:off x="368311" y="1132932"/>
-            <a:ext cx="11455377" cy="5474682"/>
+            <a:off x="1491163" y="1288738"/>
+            <a:ext cx="9209673" cy="4051025"/>
           </a:xfrm>
           <a:prstGeom prst="rect">
             <a:avLst/>
           </a:prstGeom>
+          <a:ln w="38100" cap="sq">
+            <a:solidFill>
+              <a:srgbClr val="000000"/>
+            </a:solidFill>
+            <a:prstDash val="solid"/>
+            <a:miter lim="800000"/>
+          </a:ln>
+          <a:effectLst>
+            <a:outerShdw blurRad="50800" dist="38100" dir="2700000" algn="tl" rotWithShape="0">
+              <a:srgbClr val="000000">
+                <a:alpha val="43000"/>
+              </a:srgbClr>
+            </a:outerShdw>
+          </a:effectLst>
         </p:spPr>
       </p:pic>
     </p:spTree>
     <p:extLst>
       <p:ext uri="{BB962C8B-B14F-4D97-AF65-F5344CB8AC3E}">
-        <p14:creationId xmlns:p14="http://schemas.microsoft.com/office/powerpoint/2010/main" val="619725479"/>
+        <p14:creationId xmlns:p14="http://schemas.microsoft.com/office/powerpoint/2010/main" val="4142314742"/>
       </p:ext>
     </p:extLst>
   </p:cSld>
@@ -10407,6 +12258,14 @@
 <file path=ppt/slides/slide8.xml><?xml version="1.0" encoding="utf-8"?>
 <p:sld xmlns:a="http://schemas.openxmlformats.org/drawingml/2006/main" xmlns:r="http://schemas.openxmlformats.org/officeDocument/2006/relationships" xmlns:p="http://schemas.openxmlformats.org/presentationml/2006/main">
   <p:cSld>
+    <p:bg>
+      <p:bgPr>
+        <a:solidFill>
+          <a:srgbClr val="EEDAC1"/>
+        </a:solidFill>
+        <a:effectLst/>
+      </p:bgPr>
+    </p:bg>
     <p:spTree>
       <p:nvGrpSpPr>
         <p:cNvPr id="1" name=""/>
@@ -10421,9 +12280,165 @@
           <a:chExt cx="0" cy="0"/>
         </a:xfrm>
       </p:grpSpPr>
+      <p:sp>
+        <p:nvSpPr>
+          <p:cNvPr id="52" name="직각 삼각형 51"/>
+          <p:cNvSpPr/>
+          <p:nvPr/>
+        </p:nvSpPr>
+        <p:spPr>
+          <a:xfrm rot="5400000">
+            <a:off x="3795260" y="5186662"/>
+            <a:ext cx="827313" cy="1088571"/>
+          </a:xfrm>
+          <a:prstGeom prst="rtTriangle">
+            <a:avLst/>
+          </a:prstGeom>
+          <a:solidFill>
+            <a:srgbClr val="EEDAC1"/>
+          </a:solidFill>
+          <a:ln>
+            <a:noFill/>
+          </a:ln>
+        </p:spPr>
+        <p:style>
+          <a:lnRef idx="2">
+            <a:schemeClr val="accent1">
+              <a:shade val="50000"/>
+            </a:schemeClr>
+          </a:lnRef>
+          <a:fillRef idx="1">
+            <a:schemeClr val="accent1"/>
+          </a:fillRef>
+          <a:effectRef idx="0">
+            <a:schemeClr val="accent1"/>
+          </a:effectRef>
+          <a:fontRef idx="minor">
+            <a:schemeClr val="lt1"/>
+          </a:fontRef>
+        </p:style>
+        <p:txBody>
+          <a:bodyPr rtlCol="0" anchor="ctr"/>
+          <a:lstStyle/>
+          <a:p>
+            <a:pPr marL="0" marR="0" lvl="0" indent="0" algn="ctr" defTabSz="914400" rtl="0" eaLnBrk="1" fontAlgn="auto" latinLnBrk="1" hangingPunct="1">
+              <a:lnSpc>
+                <a:spcPct val="100000"/>
+              </a:lnSpc>
+              <a:spcBef>
+                <a:spcPts val="0"/>
+              </a:spcBef>
+              <a:spcAft>
+                <a:spcPts val="0"/>
+              </a:spcAft>
+              <a:buClrTx/>
+              <a:buSzTx/>
+              <a:buFontTx/>
+              <a:buNone/>
+              <a:tabLst/>
+              <a:defRPr/>
+            </a:pPr>
+            <a:endParaRPr kumimoji="0" lang="ko-KR" altLang="en-US" sz="1800" b="0" i="0" u="none" strike="noStrike" kern="1200" cap="none" spc="0" normalizeH="0" baseline="0" noProof="0">
+              <a:ln>
+                <a:noFill/>
+              </a:ln>
+              <a:solidFill>
+                <a:prstClr val="white"/>
+              </a:solidFill>
+              <a:effectLst/>
+              <a:uLnTx/>
+              <a:uFillTx/>
+              <a:latin typeface="맑은 고딕" panose="020F0502020204030204"/>
+              <a:ea typeface="맑은 고딕" panose="020B0503020000020004" pitchFamily="50" charset="-127"/>
+              <a:cs typeface="+mn-cs"/>
+            </a:endParaRPr>
+          </a:p>
+        </p:txBody>
+      </p:sp>
+      <p:sp>
+        <p:nvSpPr>
+          <p:cNvPr id="53" name="직각 삼각형 52"/>
+          <p:cNvSpPr/>
+          <p:nvPr/>
+        </p:nvSpPr>
+        <p:spPr>
+          <a:xfrm rot="5400000">
+            <a:off x="7601632" y="1957153"/>
+            <a:ext cx="834571" cy="1088571"/>
+          </a:xfrm>
+          <a:prstGeom prst="rtTriangle">
+            <a:avLst/>
+          </a:prstGeom>
+          <a:solidFill>
+            <a:srgbClr val="EEDAC1"/>
+          </a:solidFill>
+          <a:ln>
+            <a:noFill/>
+          </a:ln>
+        </p:spPr>
+        <p:style>
+          <a:lnRef idx="2">
+            <a:schemeClr val="accent1">
+              <a:shade val="50000"/>
+            </a:schemeClr>
+          </a:lnRef>
+          <a:fillRef idx="1">
+            <a:schemeClr val="accent1"/>
+          </a:fillRef>
+          <a:effectRef idx="0">
+            <a:schemeClr val="accent1"/>
+          </a:effectRef>
+          <a:fontRef idx="minor">
+            <a:schemeClr val="lt1"/>
+          </a:fontRef>
+        </p:style>
+        <p:txBody>
+          <a:bodyPr rtlCol="0" anchor="ctr"/>
+          <a:lstStyle/>
+          <a:p>
+            <a:pPr marL="0" marR="0" lvl="0" indent="0" algn="ctr" defTabSz="914400" rtl="0" eaLnBrk="1" fontAlgn="auto" latinLnBrk="1" hangingPunct="1">
+              <a:lnSpc>
+                <a:spcPct val="100000"/>
+              </a:lnSpc>
+              <a:spcBef>
+                <a:spcPts val="0"/>
+              </a:spcBef>
+              <a:spcAft>
+                <a:spcPts val="0"/>
+              </a:spcAft>
+              <a:buClrTx/>
+              <a:buSzTx/>
+              <a:buFontTx/>
+              <a:buNone/>
+              <a:tabLst/>
+              <a:defRPr/>
+            </a:pPr>
+            <a:endParaRPr kumimoji="0" lang="ko-KR" altLang="en-US" sz="1800" b="0" i="0" u="none" strike="noStrike" kern="1200" cap="none" spc="0" normalizeH="0" baseline="0" noProof="0">
+              <a:ln>
+                <a:noFill/>
+              </a:ln>
+              <a:solidFill>
+                <a:prstClr val="white"/>
+              </a:solidFill>
+              <a:effectLst/>
+              <a:uLnTx/>
+              <a:uFillTx/>
+              <a:latin typeface="맑은 고딕" panose="020F0502020204030204"/>
+              <a:ea typeface="맑은 고딕" panose="020B0503020000020004" pitchFamily="50" charset="-127"/>
+              <a:cs typeface="+mn-cs"/>
+            </a:endParaRPr>
+          </a:p>
+        </p:txBody>
+      </p:sp>
       <p:cxnSp>
         <p:nvCxnSpPr>
-          <p:cNvPr id="17" name="직선 연결선 16"/>
+          <p:cNvPr id="11" name="직선 연결선 10">
+            <a:extLst>
+              <a:ext uri="{FF2B5EF4-FFF2-40B4-BE49-F238E27FC236}">
+                <a16:creationId xmlns:a16="http://schemas.microsoft.com/office/drawing/2014/main" id="{7D3FC1E8-010B-4456-9C6E-E1D08E31B38B}"/>
+              </a:ext>
+            </a:extLst>
+          </p:cNvPr>
           <p:cNvCxnSpPr/>
           <p:nvPr/>
         </p:nvCxnSpPr>
@@ -10458,10 +12473,10 @@
       </p:cxnSp>
       <p:sp>
         <p:nvSpPr>
-          <p:cNvPr id="20" name="직사각형 19">
+          <p:cNvPr id="12" name="직사각형 11">
             <a:extLst>
               <a:ext uri="{FF2B5EF4-FFF2-40B4-BE49-F238E27FC236}">
-                <a16:creationId xmlns:a16="http://schemas.microsoft.com/office/drawing/2014/main" id="{01E8A2C5-9BB0-4BB8-BB8E-257FF392DA2E}"/>
+                <a16:creationId xmlns:a16="http://schemas.microsoft.com/office/drawing/2014/main" id="{8BB54374-0279-4C26-9121-D4D9BFD3A5E0}"/>
               </a:ext>
             </a:extLst>
           </p:cNvPr>
@@ -10470,8 +12485,8 @@
         </p:nvSpPr>
         <p:spPr>
           <a:xfrm>
-            <a:off x="2629890" y="24896"/>
-            <a:ext cx="7741026" cy="977127"/>
+            <a:off x="2115155" y="101972"/>
+            <a:ext cx="7961689" cy="816249"/>
           </a:xfrm>
           <a:prstGeom prst="rect">
             <a:avLst/>
@@ -10483,23 +12498,60 @@
           </a:bodyPr>
           <a:lstStyle/>
           <a:p>
-            <a:pPr lvl="0" algn="ctr" latinLnBrk="0">
+            <a:pPr marL="0" marR="0" lvl="0" indent="0" algn="ctr" defTabSz="914400" rtl="0" eaLnBrk="1" fontAlgn="auto" latinLnBrk="0" hangingPunct="1">
               <a:lnSpc>
                 <a:spcPct val="150000"/>
               </a:lnSpc>
+              <a:spcBef>
+                <a:spcPts val="0"/>
+              </a:spcBef>
+              <a:spcAft>
+                <a:spcPts val="0"/>
+              </a:spcAft>
+              <a:buClrTx/>
+              <a:buSzTx/>
+              <a:buFontTx/>
+              <a:buNone/>
+              <a:tabLst/>
               <a:defRPr/>
             </a:pPr>
             <a:r>
-              <a:rPr lang="en-US" altLang="ko-KR" sz="4400" b="1" kern="0" dirty="0">
+              <a:rPr kumimoji="0" lang="en-US" altLang="ko-KR" sz="3600" b="1" i="0" u="none" strike="noStrike" kern="0" cap="none" spc="0" normalizeH="0" baseline="0" noProof="0" dirty="0">
+                <a:ln>
+                  <a:noFill/>
+                </a:ln>
                 <a:solidFill>
                   <a:prstClr val="black">
                     <a:lumMod val="65000"/>
                     <a:lumOff val="35000"/>
                   </a:prstClr>
                 </a:solidFill>
+                <a:effectLst/>
+                <a:uLnTx/>
+                <a:uFillTx/>
+                <a:latin typeface="맑은 고딕" panose="020F0502020204030204"/>
+                <a:ea typeface="맑은 고딕" panose="020B0503020000020004" pitchFamily="50" charset="-127"/>
+                <a:cs typeface="+mn-cs"/>
               </a:rPr>
-              <a:t>Data Chart – Positive word</a:t>
-            </a:r>
+              <a:t>Compare result </a:t>
+            </a:r>
+            <a:endParaRPr kumimoji="0" lang="en-US" altLang="ko-KR" sz="4400" b="1" i="0" u="none" strike="noStrike" kern="0" cap="none" spc="0" normalizeH="0" baseline="0" noProof="0" dirty="0">
+              <a:ln>
+                <a:noFill/>
+              </a:ln>
+              <a:solidFill>
+                <a:prstClr val="black">
+                  <a:lumMod val="65000"/>
+                  <a:lumOff val="35000"/>
+                </a:prstClr>
+              </a:solidFill>
+              <a:effectLst/>
+              <a:uLnTx/>
+              <a:uFillTx/>
+              <a:latin typeface="맑은 고딕" panose="020F0502020204030204"/>
+              <a:ea typeface="맑은 고딕" panose="020B0503020000020004" pitchFamily="50" charset="-127"/>
+              <a:cs typeface="+mn-cs"/>
+            </a:endParaRPr>
           </a:p>
         </p:txBody>
       </p:sp>
@@ -10508,7 +12560,7 @@
           <p:cNvPr id="2" name="그림 1">
             <a:extLst>
               <a:ext uri="{FF2B5EF4-FFF2-40B4-BE49-F238E27FC236}">
-                <a16:creationId xmlns:a16="http://schemas.microsoft.com/office/drawing/2014/main" id="{B0397C94-A6A8-48C0-840A-59E97A0AC22D}"/>
+                <a16:creationId xmlns:a16="http://schemas.microsoft.com/office/drawing/2014/main" id="{44E8F5F5-1B34-46E7-B3E6-0EF86AFEA926}"/>
               </a:ext>
             </a:extLst>
           </p:cNvPr>
@@ -10517,15 +12569,16 @@
           </p:cNvPicPr>
           <p:nvPr/>
         </p:nvPicPr>
-        <p:blipFill rotWithShape="1">
+        <p:blipFill>
           <a:blip r:embed="rId2"/>
-          <a:srcRect l="8056" r="6774"/>
-          <a:stretch/>
+          <a:stretch>
+            <a:fillRect/>
+          </a:stretch>
         </p:blipFill>
         <p:spPr>
           <a:xfrm>
-            <a:off x="2125812" y="1394750"/>
-            <a:ext cx="7940375" cy="4857558"/>
+            <a:off x="2413563" y="1347644"/>
+            <a:ext cx="2502135" cy="5217785"/>
           </a:xfrm>
           <a:prstGeom prst="rect">
             <a:avLst/>
@@ -10534,10 +12587,10 @@
       </p:pic>
       <p:pic>
         <p:nvPicPr>
-          <p:cNvPr id="3" name="그림 2">
+          <p:cNvPr id="13" name="그림 12">
             <a:extLst>
               <a:ext uri="{FF2B5EF4-FFF2-40B4-BE49-F238E27FC236}">
-                <a16:creationId xmlns:a16="http://schemas.microsoft.com/office/drawing/2014/main" id="{EA3951BE-C1AB-44F3-A66B-19C4330295B8}"/>
+                <a16:creationId xmlns:a16="http://schemas.microsoft.com/office/drawing/2014/main" id="{ADC251CF-D019-4499-9BD6-DEFDB456159D}"/>
               </a:ext>
             </a:extLst>
           </p:cNvPr>
@@ -10546,15 +12599,21 @@
           </p:cNvPicPr>
           <p:nvPr/>
         </p:nvPicPr>
-        <p:blipFill rotWithShape="1">
-          <a:blip r:embed="rId3"/>
-          <a:srcRect l="6205" r="8625"/>
+        <p:blipFill>
+          <a:blip r:embed="rId3">
+            <a:extLst>
+              <a:ext uri="{28A0092B-C50C-407E-A947-70E740481C1C}">
+                <a14:useLocalDpi xmlns:a14="http://schemas.microsoft.com/office/drawing/2010/main" val="0"/>
+              </a:ext>
+            </a:extLst>
+          </a:blip>
+          <a:srcRect/>
           <a:stretch/>
         </p:blipFill>
         <p:spPr>
           <a:xfrm>
-            <a:off x="2125811" y="1394750"/>
-            <a:ext cx="7940367" cy="4857554"/>
+            <a:off x="7331375" y="1372073"/>
+            <a:ext cx="2502135" cy="5190105"/>
           </a:xfrm>
           <a:prstGeom prst="rect">
             <a:avLst/>
@@ -10564,134 +12623,13 @@
     </p:spTree>
     <p:extLst>
       <p:ext uri="{BB962C8B-B14F-4D97-AF65-F5344CB8AC3E}">
-        <p14:creationId xmlns:p14="http://schemas.microsoft.com/office/powerpoint/2010/main" val="3584000844"/>
+        <p14:creationId xmlns:p14="http://schemas.microsoft.com/office/powerpoint/2010/main" val="4043560278"/>
       </p:ext>
     </p:extLst>
   </p:cSld>
   <p:clrMapOvr>
     <a:masterClrMapping/>
   </p:clrMapOvr>
-  <p:timing>
-    <p:tnLst>
-      <p:par>
-        <p:cTn id="1" dur="indefinite" restart="never" nodeType="tmRoot">
-          <p:childTnLst>
-            <p:seq concurrent="1" nextAc="seek">
-              <p:cTn id="2" dur="indefinite" nodeType="mainSeq">
-                <p:childTnLst>
-                  <p:par>
-                    <p:cTn id="3" fill="hold">
-                      <p:stCondLst>
-                        <p:cond delay="indefinite"/>
-                      </p:stCondLst>
-                      <p:childTnLst>
-                        <p:par>
-                          <p:cTn id="4" fill="hold">
-                            <p:stCondLst>
-                              <p:cond delay="0"/>
-                            </p:stCondLst>
-                            <p:childTnLst>
-                              <p:par>
-                                <p:cTn id="5" presetID="2" presetClass="entr" presetSubtype="4" fill="hold" nodeType="clickEffect">
-                                  <p:stCondLst>
-                                    <p:cond delay="0"/>
-                                  </p:stCondLst>
-                                  <p:childTnLst>
-                                    <p:set>
-                                      <p:cBhvr>
-                                        <p:cTn id="6" dur="1" fill="hold">
-                                          <p:stCondLst>
-                                            <p:cond delay="0"/>
-                                          </p:stCondLst>
-                                        </p:cTn>
-                                        <p:tgtEl>
-                                          <p:spTgt spid="3"/>
-                                        </p:tgtEl>
-                                        <p:attrNameLst>
-                                          <p:attrName>style.visibility</p:attrName>
-                                        </p:attrNameLst>
-                                      </p:cBhvr>
-                                      <p:to>
-                                        <p:strVal val="visible"/>
-                                      </p:to>
-                                    </p:set>
-                                    <p:anim calcmode="lin" valueType="num">
-                                      <p:cBhvr additive="base">
-                                        <p:cTn id="7" dur="500" fill="hold"/>
-                                        <p:tgtEl>
-                                          <p:spTgt spid="3"/>
-                                        </p:tgtEl>
-                                        <p:attrNameLst>
-                                          <p:attrName>ppt_x</p:attrName>
-                                        </p:attrNameLst>
-                                      </p:cBhvr>
-                                      <p:tavLst>
-                                        <p:tav tm="0">
-                                          <p:val>
-                                            <p:strVal val="#ppt_x"/>
-                                          </p:val>
-                                        </p:tav>
-                                        <p:tav tm="100000">
-                                          <p:val>
-                                            <p:strVal val="#ppt_x"/>
-                                          </p:val>
-                                        </p:tav>
-                                      </p:tavLst>
-                                    </p:anim>
-                                    <p:anim calcmode="lin" valueType="num">
-                                      <p:cBhvr additive="base">
-                                        <p:cTn id="8" dur="500" fill="hold"/>
-                                        <p:tgtEl>
-                                          <p:spTgt spid="3"/>
-                                        </p:tgtEl>
-                                        <p:attrNameLst>
-                                          <p:attrName>ppt_y</p:attrName>
-                                        </p:attrNameLst>
-                                      </p:cBhvr>
-                                      <p:tavLst>
-                                        <p:tav tm="0">
-                                          <p:val>
-                                            <p:strVal val="1+#ppt_h/2"/>
-                                          </p:val>
-                                        </p:tav>
-                                        <p:tav tm="100000">
-                                          <p:val>
-                                            <p:strVal val="#ppt_y"/>
-                                          </p:val>
-                                        </p:tav>
-                                      </p:tavLst>
-                                    </p:anim>
-                                  </p:childTnLst>
-                                </p:cTn>
-                              </p:par>
-                            </p:childTnLst>
-                          </p:cTn>
-                        </p:par>
-                      </p:childTnLst>
-                    </p:cTn>
-                  </p:par>
-                </p:childTnLst>
-              </p:cTn>
-              <p:prevCondLst>
-                <p:cond evt="onPrev" delay="0">
-                  <p:tgtEl>
-                    <p:sldTgt/>
-                  </p:tgtEl>
-                </p:cond>
-              </p:prevCondLst>
-              <p:nextCondLst>
-                <p:cond evt="onNext" delay="0">
-                  <p:tgtEl>
-                    <p:sldTgt/>
-                  </p:tgtEl>
-                </p:cond>
-              </p:nextCondLst>
-            </p:seq>
-          </p:childTnLst>
-        </p:cTn>
-      </p:par>
-    </p:tnLst>
-  </p:timing>
 </p:sld>
 </file>
 
@@ -10770,7 +12708,7 @@
         <p:spPr>
           <a:xfrm>
             <a:off x="2433190" y="0"/>
-            <a:ext cx="8099772" cy="977127"/>
+            <a:ext cx="7428510" cy="977127"/>
           </a:xfrm>
           <a:prstGeom prst="rect">
             <a:avLst/>
@@ -10817,17 +12755,17 @@
                 <a:ea typeface="맑은 고딕" panose="020B0503020000020004" pitchFamily="50" charset="-127"/>
                 <a:cs typeface="+mn-cs"/>
               </a:rPr>
-              <a:t>Data Chart – Negative word</a:t>
+              <a:t>Data Chart – Positive word</a:t>
             </a:r>
           </a:p>
         </p:txBody>
       </p:sp>
       <p:pic>
         <p:nvPicPr>
-          <p:cNvPr id="2" name="그림 1">
+          <p:cNvPr id="3" name="그림 2">
             <a:extLst>
               <a:ext uri="{FF2B5EF4-FFF2-40B4-BE49-F238E27FC236}">
-                <a16:creationId xmlns:a16="http://schemas.microsoft.com/office/drawing/2014/main" id="{9B91EEFD-7133-4AF6-95A0-41FCA9D4ACED}"/>
+                <a16:creationId xmlns:a16="http://schemas.microsoft.com/office/drawing/2014/main" id="{A18CE14F-1788-446B-9E52-2C9109D7194B}"/>
               </a:ext>
             </a:extLst>
           </p:cNvPr>
@@ -10844,18 +12782,84 @@
         </p:blipFill>
         <p:spPr>
           <a:xfrm>
-            <a:off x="485914" y="1132932"/>
-            <a:ext cx="11382218" cy="5560034"/>
+            <a:off x="419757" y="1132932"/>
+            <a:ext cx="11455377" cy="5474682"/>
           </a:xfrm>
           <a:prstGeom prst="rect">
             <a:avLst/>
           </a:prstGeom>
         </p:spPr>
       </p:pic>
+      <p:sp>
+        <p:nvSpPr>
+          <p:cNvPr id="7" name="직사각형 6">
+            <a:extLst>
+              <a:ext uri="{FF2B5EF4-FFF2-40B4-BE49-F238E27FC236}">
+                <a16:creationId xmlns:a16="http://schemas.microsoft.com/office/drawing/2014/main" id="{0DBC510B-BE92-4105-96B0-375A8ADA5100}"/>
+              </a:ext>
+            </a:extLst>
+          </p:cNvPr>
+          <p:cNvSpPr/>
+          <p:nvPr/>
+        </p:nvSpPr>
+        <p:spPr>
+          <a:xfrm>
+            <a:off x="5801501" y="1167714"/>
+            <a:ext cx="4744994" cy="352140"/>
+          </a:xfrm>
+          <a:prstGeom prst="rect">
+            <a:avLst/>
+          </a:prstGeom>
+          <a:solidFill>
+            <a:schemeClr val="bg1"/>
+          </a:solidFill>
+          <a:ln>
+            <a:solidFill>
+              <a:schemeClr val="bg1"/>
+            </a:solidFill>
+          </a:ln>
+        </p:spPr>
+        <p:style>
+          <a:lnRef idx="2">
+            <a:schemeClr val="accent1">
+              <a:shade val="50000"/>
+            </a:schemeClr>
+          </a:lnRef>
+          <a:fillRef idx="1">
+            <a:schemeClr val="accent1"/>
+          </a:fillRef>
+          <a:effectRef idx="0">
+            <a:schemeClr val="accent1"/>
+          </a:effectRef>
+          <a:fontRef idx="minor">
+            <a:schemeClr val="lt1"/>
+          </a:fontRef>
+        </p:style>
+        <p:txBody>
+          <a:bodyPr rtlCol="0" anchor="ctr"/>
+          <a:lstStyle/>
+          <a:p>
+            <a:pPr algn="ctr"/>
+            <a:r>
+              <a:rPr lang="en-US" altLang="ko-KR" sz="1200" dirty="0">
+                <a:solidFill>
+                  <a:schemeClr val="tx1"/>
+                </a:solidFill>
+              </a:rPr>
+              <a:t>Flag = Family movie script’s Positive word by Descending order </a:t>
+            </a:r>
+            <a:endParaRPr lang="ko-KR" altLang="en-US" sz="1200" dirty="0">
+              <a:solidFill>
+                <a:schemeClr val="tx1"/>
+              </a:solidFill>
+            </a:endParaRPr>
+          </a:p>
+        </p:txBody>
+      </p:sp>
     </p:spTree>
     <p:extLst>
       <p:ext uri="{BB962C8B-B14F-4D97-AF65-F5344CB8AC3E}">
-        <p14:creationId xmlns:p14="http://schemas.microsoft.com/office/powerpoint/2010/main" val="209838786"/>
+        <p14:creationId xmlns:p14="http://schemas.microsoft.com/office/powerpoint/2010/main" val="1280795313"/>
       </p:ext>
     </p:extLst>
   </p:cSld>
@@ -10863,6 +12867,18 @@
     <a:masterClrMapping/>
   </p:clrMapOvr>
 </p:sld>
+</file>
+
+<file path=ppt/tags/tag1.xml><?xml version="1.0" encoding="utf-8"?>
+<p:tagLst xmlns:a="http://schemas.openxmlformats.org/drawingml/2006/main" xmlns:r="http://schemas.openxmlformats.org/officeDocument/2006/relationships" xmlns:p="http://schemas.openxmlformats.org/presentationml/2006/main">
+  <p:tag name="TIMING" val="|12.8"/>
+</p:tagLst>
+</file>
+
+<file path=ppt/tags/tag2.xml><?xml version="1.0" encoding="utf-8"?>
+<p:tagLst xmlns:a="http://schemas.openxmlformats.org/drawingml/2006/main" xmlns:r="http://schemas.openxmlformats.org/officeDocument/2006/relationships" xmlns:p="http://schemas.openxmlformats.org/presentationml/2006/main">
+  <p:tag name="TIMING" val="|7.7"/>
+</p:tagLst>
 </file>
 
 <file path=ppt/theme/theme1.xml><?xml version="1.0" encoding="utf-8"?>

--- a/Project1/PPT/20154637_Term_indexing.pptx
+++ b/Project1/PPT/20154637_Term_indexing.pptx
@@ -4990,7 +4990,7 @@
                   <a:schemeClr val="tx1"/>
                 </a:solidFill>
               </a:rPr>
-              <a:t>Flag = Crime movie script’s Negative word by Descending order </a:t>
+              <a:t>Flag = Crime movie script’s Positive word by Descending order </a:t>
             </a:r>
             <a:endParaRPr lang="ko-KR" altLang="en-US" sz="1200" dirty="0">
               <a:solidFill>
@@ -10406,6 +10406,16 @@
           <a:prstGeom prst="rect">
             <a:avLst/>
           </a:prstGeom>
+          <a:ln>
+            <a:noFill/>
+          </a:ln>
+          <a:effectLst>
+            <a:outerShdw blurRad="190500" algn="tl" rotWithShape="0">
+              <a:srgbClr val="000000">
+                <a:alpha val="70000"/>
+              </a:srgbClr>
+            </a:outerShdw>
+          </a:effectLst>
         </p:spPr>
       </p:pic>
       <p:cxnSp>
@@ -10537,6 +10547,16 @@
           <a:prstGeom prst="rect">
             <a:avLst/>
           </a:prstGeom>
+          <a:ln>
+            <a:noFill/>
+          </a:ln>
+          <a:effectLst>
+            <a:outerShdw blurRad="190500" algn="tl" rotWithShape="0">
+              <a:srgbClr val="000000">
+                <a:alpha val="70000"/>
+              </a:srgbClr>
+            </a:outerShdw>
+          </a:effectLst>
         </p:spPr>
       </p:pic>
     </p:spTree>
@@ -11399,6 +11419,16 @@
           <a:prstGeom prst="rect">
             <a:avLst/>
           </a:prstGeom>
+          <a:ln>
+            <a:noFill/>
+          </a:ln>
+          <a:effectLst>
+            <a:outerShdw blurRad="190500" algn="tl" rotWithShape="0">
+              <a:srgbClr val="000000">
+                <a:alpha val="70000"/>
+              </a:srgbClr>
+            </a:outerShdw>
+          </a:effectLst>
         </p:spPr>
       </p:pic>
       <p:cxnSp>
@@ -11559,6 +11589,16 @@
           <a:prstGeom prst="rect">
             <a:avLst/>
           </a:prstGeom>
+          <a:ln>
+            <a:noFill/>
+          </a:ln>
+          <a:effectLst>
+            <a:outerShdw blurRad="190500" algn="tl" rotWithShape="0">
+              <a:srgbClr val="000000">
+                <a:alpha val="70000"/>
+              </a:srgbClr>
+            </a:outerShdw>
+          </a:effectLst>
         </p:spPr>
       </p:pic>
       <p:pic>
@@ -11594,6 +11634,16 @@
           <a:prstGeom prst="rect">
             <a:avLst/>
           </a:prstGeom>
+          <a:ln>
+            <a:noFill/>
+          </a:ln>
+          <a:effectLst>
+            <a:outerShdw blurRad="190500" algn="tl" rotWithShape="0">
+              <a:srgbClr val="000000">
+                <a:alpha val="70000"/>
+              </a:srgbClr>
+            </a:outerShdw>
+          </a:effectLst>
         </p:spPr>
       </p:pic>
       <p:pic>
@@ -11629,6 +11679,16 @@
           <a:prstGeom prst="rect">
             <a:avLst/>
           </a:prstGeom>
+          <a:ln>
+            <a:noFill/>
+          </a:ln>
+          <a:effectLst>
+            <a:outerShdw blurRad="190500" algn="tl" rotWithShape="0">
+              <a:srgbClr val="000000">
+                <a:alpha val="70000"/>
+              </a:srgbClr>
+            </a:outerShdw>
+          </a:effectLst>
         </p:spPr>
       </p:pic>
     </p:spTree>
@@ -11916,7 +11976,40 @@
                 <a:ea typeface="맑은 고딕" panose="020B0503020000020004" pitchFamily="50" charset="-127"/>
                 <a:cs typeface="+mn-cs"/>
               </a:rPr>
-              <a:t>Coding 3 </a:t>
+              <a:t>Coding </a:t>
+            </a:r>
+            <a:r>
+              <a:rPr lang="en-US" altLang="ko-KR" sz="4400" b="1" kern="0" dirty="0">
+                <a:solidFill>
+                  <a:prstClr val="black">
+                    <a:lumMod val="65000"/>
+                    <a:lumOff val="35000"/>
+                  </a:prstClr>
+                </a:solidFill>
+                <a:latin typeface="맑은 고딕" panose="020F0502020204030204"/>
+                <a:ea typeface="맑은 고딕" panose="020B0503020000020004" pitchFamily="50" charset="-127"/>
+              </a:rPr>
+              <a:t>2</a:t>
+            </a:r>
+            <a:r>
+              <a:rPr kumimoji="0" lang="en-US" altLang="ko-KR" sz="4400" b="1" i="0" u="none" strike="noStrike" kern="0" cap="none" spc="0" normalizeH="0" baseline="0" noProof="0" dirty="0">
+                <a:ln>
+                  <a:noFill/>
+                </a:ln>
+                <a:solidFill>
+                  <a:prstClr val="black">
+                    <a:lumMod val="65000"/>
+                    <a:lumOff val="35000"/>
+                  </a:prstClr>
+                </a:solidFill>
+                <a:effectLst/>
+                <a:uLnTx/>
+                <a:uFillTx/>
+                <a:latin typeface="맑은 고딕" panose="020F0502020204030204"/>
+                <a:ea typeface="맑은 고딕" panose="020B0503020000020004" pitchFamily="50" charset="-127"/>
+                <a:cs typeface="+mn-cs"/>
+              </a:rPr>
+              <a:t> </a:t>
             </a:r>
             <a:r>
               <a:rPr kumimoji="0" lang="en-US" altLang="ko-KR" sz="3600" b="1" i="0" u="none" strike="noStrike" kern="0" cap="none" spc="0" normalizeH="0" baseline="0" noProof="0" dirty="0">
@@ -12583,6 +12676,16 @@
           <a:prstGeom prst="rect">
             <a:avLst/>
           </a:prstGeom>
+          <a:ln>
+            <a:noFill/>
+          </a:ln>
+          <a:effectLst>
+            <a:outerShdw blurRad="190500" algn="tl" rotWithShape="0">
+              <a:srgbClr val="000000">
+                <a:alpha val="70000"/>
+              </a:srgbClr>
+            </a:outerShdw>
+          </a:effectLst>
         </p:spPr>
       </p:pic>
       <p:pic>
@@ -12618,6 +12721,16 @@
           <a:prstGeom prst="rect">
             <a:avLst/>
           </a:prstGeom>
+          <a:ln>
+            <a:noFill/>
+          </a:ln>
+          <a:effectLst>
+            <a:outerShdw blurRad="190500" algn="tl" rotWithShape="0">
+              <a:srgbClr val="000000">
+                <a:alpha val="70000"/>
+              </a:srgbClr>
+            </a:outerShdw>
+          </a:effectLst>
         </p:spPr>
       </p:pic>
     </p:spTree>
